--- a/Documentation/Erik_Summer_Deck.pptx
+++ b/Documentation/Erik_Summer_Deck.pptx
@@ -2,21 +2,24 @@
 <file path=ppt/presentation.xml><?xml version="1.0" encoding="utf-8"?>
 <p:presentation xmlns:a="http://schemas.openxmlformats.org/drawingml/2006/main" xmlns:r="http://schemas.openxmlformats.org/officeDocument/2006/relationships" xmlns:p="http://schemas.openxmlformats.org/presentationml/2006/main" saveSubsetFonts="1">
   <p:sldMasterIdLst>
-    <p:sldMasterId id="2147483648" r:id="rId1"/>
+    <p:sldMasterId id="2147483660" r:id="rId1"/>
   </p:sldMasterIdLst>
   <p:notesMasterIdLst>
-    <p:notesMasterId r:id="rId11"/>
+    <p:notesMasterId r:id="rId14"/>
   </p:notesMasterIdLst>
   <p:sldIdLst>
-    <p:sldId id="257" r:id="rId2"/>
-    <p:sldId id="261" r:id="rId3"/>
-    <p:sldId id="258" r:id="rId4"/>
-    <p:sldId id="262" r:id="rId5"/>
-    <p:sldId id="265" r:id="rId6"/>
-    <p:sldId id="259" r:id="rId7"/>
-    <p:sldId id="263" r:id="rId8"/>
-    <p:sldId id="260" r:id="rId9"/>
-    <p:sldId id="264" r:id="rId10"/>
+    <p:sldId id="268" r:id="rId2"/>
+    <p:sldId id="257" r:id="rId3"/>
+    <p:sldId id="261" r:id="rId4"/>
+    <p:sldId id="258" r:id="rId5"/>
+    <p:sldId id="262" r:id="rId6"/>
+    <p:sldId id="265" r:id="rId7"/>
+    <p:sldId id="266" r:id="rId8"/>
+    <p:sldId id="267" r:id="rId9"/>
+    <p:sldId id="259" r:id="rId10"/>
+    <p:sldId id="263" r:id="rId11"/>
+    <p:sldId id="260" r:id="rId12"/>
+    <p:sldId id="264" r:id="rId13"/>
   </p:sldIdLst>
   <p:sldSz cx="12192000" cy="6858000"/>
   <p:notesSz cx="6858000" cy="9144000"/>
@@ -205,7 +208,7 @@
           <a:p>
             <a:fld id="{DA2F9B74-7E51-4E8A-9223-43CD00CA90DC}" type="datetimeFigureOut">
               <a:rPr lang="en-US" smtClean="0"/>
-              <a:t>8/8/2017</a:t>
+              <a:t>8/11/2017</a:t>
             </a:fld>
             <a:endParaRPr lang="en-US"/>
           </a:p>
@@ -538,7 +541,7 @@
           <a:p>
             <a:fld id="{67957B46-5EC9-47A7-884E-AC11CF0AC35F}" type="slidenum">
               <a:rPr lang="en-US" smtClean="0"/>
-              <a:t>2</a:t>
+              <a:t>3</a:t>
             </a:fld>
             <a:endParaRPr lang="en-US"/>
           </a:p>
@@ -558,7 +561,7 @@
 </file>
 
 <file path=ppt/slideLayouts/slideLayout1.xml><?xml version="1.0" encoding="utf-8"?>
-<p:sldLayout xmlns:a="http://schemas.openxmlformats.org/drawingml/2006/main" xmlns:r="http://schemas.openxmlformats.org/officeDocument/2006/relationships" xmlns:p="http://schemas.openxmlformats.org/presentationml/2006/main" type="title" preserve="1">
+<p:sldLayout xmlns:a="http://schemas.openxmlformats.org/drawingml/2006/main" xmlns:r="http://schemas.openxmlformats.org/officeDocument/2006/relationships" xmlns:p="http://schemas.openxmlformats.org/presentationml/2006/main" showMasterSp="0" type="title" preserve="1">
   <p:cSld name="Title Slide">
     <p:spTree>
       <p:nvGrpSpPr>
@@ -576,6 +579,82 @@
       </p:grpSpPr>
       <p:sp>
         <p:nvSpPr>
+          <p:cNvPr id="7" name="Rectangle 6"/>
+          <p:cNvSpPr/>
+          <p:nvPr/>
+        </p:nvSpPr>
+        <p:spPr>
+          <a:xfrm>
+            <a:off x="3175" y="6400800"/>
+            <a:ext cx="12188825" cy="457200"/>
+          </a:xfrm>
+          <a:prstGeom prst="rect">
+            <a:avLst/>
+          </a:prstGeom>
+          <a:solidFill>
+            <a:schemeClr val="accent2"/>
+          </a:solidFill>
+          <a:ln>
+            <a:noFill/>
+          </a:ln>
+        </p:spPr>
+        <p:style>
+          <a:lnRef idx="2">
+            <a:schemeClr val="accent1">
+              <a:shade val="50000"/>
+            </a:schemeClr>
+          </a:lnRef>
+          <a:fillRef idx="1">
+            <a:schemeClr val="accent1"/>
+          </a:fillRef>
+          <a:effectRef idx="0">
+            <a:schemeClr val="accent1"/>
+          </a:effectRef>
+          <a:fontRef idx="minor">
+            <a:schemeClr val="lt1"/>
+          </a:fontRef>
+        </p:style>
+      </p:sp>
+      <p:sp>
+        <p:nvSpPr>
+          <p:cNvPr id="8" name="Rectangle 7"/>
+          <p:cNvSpPr/>
+          <p:nvPr/>
+        </p:nvSpPr>
+        <p:spPr>
+          <a:xfrm>
+            <a:off x="15" y="6334316"/>
+            <a:ext cx="12188825" cy="64008"/>
+          </a:xfrm>
+          <a:prstGeom prst="rect">
+            <a:avLst/>
+          </a:prstGeom>
+          <a:solidFill>
+            <a:schemeClr val="accent1"/>
+          </a:solidFill>
+          <a:ln>
+            <a:noFill/>
+          </a:ln>
+        </p:spPr>
+        <p:style>
+          <a:lnRef idx="2">
+            <a:schemeClr val="accent1">
+              <a:shade val="50000"/>
+            </a:schemeClr>
+          </a:lnRef>
+          <a:fillRef idx="1">
+            <a:schemeClr val="accent1"/>
+          </a:fillRef>
+          <a:effectRef idx="0">
+            <a:schemeClr val="accent1"/>
+          </a:effectRef>
+          <a:fontRef idx="minor">
+            <a:schemeClr val="lt1"/>
+          </a:fontRef>
+        </p:style>
+      </p:sp>
+      <p:sp>
+        <p:nvSpPr>
           <p:cNvPr id="2" name="Title 1"/>
           <p:cNvSpPr>
             <a:spLocks noGrp="1"/>
@@ -586,15 +665,27 @@
         </p:nvSpPr>
         <p:spPr>
           <a:xfrm>
-            <a:off x="1524000" y="1122363"/>
-            <a:ext cx="9144000" cy="2387600"/>
-          </a:xfrm>
-        </p:spPr>
-        <p:txBody>
-          <a:bodyPr anchor="b"/>
+            <a:off x="1097280" y="758952"/>
+            <a:ext cx="10058400" cy="3566160"/>
+          </a:xfrm>
+        </p:spPr>
+        <p:txBody>
+          <a:bodyPr anchor="b">
+            <a:normAutofit/>
+          </a:bodyPr>
           <a:lstStyle>
-            <a:lvl1pPr algn="ctr">
-              <a:defRPr sz="6000"/>
+            <a:lvl1pPr algn="l">
+              <a:lnSpc>
+                <a:spcPct val="85000"/>
+              </a:lnSpc>
+              <a:defRPr sz="8000" spc="-50" baseline="0">
+                <a:solidFill>
+                  <a:schemeClr val="tx1">
+                    <a:lumMod val="85000"/>
+                    <a:lumOff val="15000"/>
+                  </a:schemeClr>
+                </a:solidFill>
+              </a:defRPr>
             </a:lvl1pPr>
           </a:lstStyle>
           <a:p>
@@ -602,7 +693,7 @@
               <a:rPr lang="en-US" smtClean="0"/>
               <a:t>Click to edit Master title style</a:t>
             </a:r>
-            <a:endParaRPr lang="en-US"/>
+            <a:endParaRPr lang="en-US" dirty="0"/>
           </a:p>
         </p:txBody>
       </p:sp>
@@ -618,48 +709,55 @@
         </p:nvSpPr>
         <p:spPr>
           <a:xfrm>
-            <a:off x="1524000" y="3602038"/>
-            <a:ext cx="9144000" cy="1655762"/>
-          </a:xfrm>
-        </p:spPr>
-        <p:txBody>
-          <a:bodyPr/>
+            <a:off x="1100051" y="4455620"/>
+            <a:ext cx="10058400" cy="1143000"/>
+          </a:xfrm>
+        </p:spPr>
+        <p:txBody>
+          <a:bodyPr lIns="91440" rIns="91440">
+            <a:normAutofit/>
+          </a:bodyPr>
           <a:lstStyle>
-            <a:lvl1pPr marL="0" indent="0" algn="ctr">
-              <a:buNone/>
-              <a:defRPr sz="2400"/>
+            <a:lvl1pPr marL="0" indent="0" algn="l">
+              <a:buNone/>
+              <a:defRPr sz="2400" cap="all" spc="200" baseline="0">
+                <a:solidFill>
+                  <a:schemeClr val="tx2"/>
+                </a:solidFill>
+                <a:latin typeface="+mj-lt"/>
+              </a:defRPr>
             </a:lvl1pPr>
             <a:lvl2pPr marL="457200" indent="0" algn="ctr">
               <a:buNone/>
-              <a:defRPr sz="2000"/>
+              <a:defRPr sz="2400"/>
             </a:lvl2pPr>
             <a:lvl3pPr marL="914400" indent="0" algn="ctr">
               <a:buNone/>
-              <a:defRPr sz="1800"/>
+              <a:defRPr sz="2400"/>
             </a:lvl3pPr>
             <a:lvl4pPr marL="1371600" indent="0" algn="ctr">
               <a:buNone/>
-              <a:defRPr sz="1600"/>
+              <a:defRPr sz="2000"/>
             </a:lvl4pPr>
             <a:lvl5pPr marL="1828800" indent="0" algn="ctr">
               <a:buNone/>
-              <a:defRPr sz="1600"/>
+              <a:defRPr sz="2000"/>
             </a:lvl5pPr>
             <a:lvl6pPr marL="2286000" indent="0" algn="ctr">
               <a:buNone/>
-              <a:defRPr sz="1600"/>
+              <a:defRPr sz="2000"/>
             </a:lvl6pPr>
             <a:lvl7pPr marL="2743200" indent="0" algn="ctr">
               <a:buNone/>
-              <a:defRPr sz="1600"/>
+              <a:defRPr sz="2000"/>
             </a:lvl7pPr>
             <a:lvl8pPr marL="3200400" indent="0" algn="ctr">
               <a:buNone/>
-              <a:defRPr sz="1600"/>
+              <a:defRPr sz="2000"/>
             </a:lvl8pPr>
             <a:lvl9pPr marL="3657600" indent="0" algn="ctr">
               <a:buNone/>
-              <a:defRPr sz="1600"/>
+              <a:defRPr sz="2000"/>
             </a:lvl9pPr>
           </a:lstStyle>
           <a:p>
@@ -667,7 +765,7 @@
               <a:rPr lang="en-US" smtClean="0"/>
               <a:t>Click to edit Master subtitle style</a:t>
             </a:r>
-            <a:endParaRPr lang="en-US"/>
+            <a:endParaRPr lang="en-US" dirty="0"/>
           </a:p>
         </p:txBody>
       </p:sp>
@@ -688,7 +786,7 @@
           <a:p>
             <a:fld id="{1905A278-B2DB-4F51-A920-8203A814DD58}" type="datetimeFigureOut">
               <a:rPr lang="en-US" smtClean="0"/>
-              <a:t>8/8/2017</a:t>
+              <a:t>8/11/2017</a:t>
             </a:fld>
             <a:endParaRPr lang="en-US"/>
           </a:p>
@@ -736,10 +834,48 @@
           </a:p>
         </p:txBody>
       </p:sp>
+      <p:cxnSp>
+        <p:nvCxnSpPr>
+          <p:cNvPr id="9" name="Straight Connector 8"/>
+          <p:cNvCxnSpPr/>
+          <p:nvPr/>
+        </p:nvCxnSpPr>
+        <p:spPr>
+          <a:xfrm>
+            <a:off x="1207658" y="4343400"/>
+            <a:ext cx="9875520" cy="0"/>
+          </a:xfrm>
+          <a:prstGeom prst="line">
+            <a:avLst/>
+          </a:prstGeom>
+          <a:ln w="6350">
+            <a:solidFill>
+              <a:schemeClr val="tx1">
+                <a:lumMod val="50000"/>
+                <a:lumOff val="50000"/>
+              </a:schemeClr>
+            </a:solidFill>
+          </a:ln>
+        </p:spPr>
+        <p:style>
+          <a:lnRef idx="1">
+            <a:schemeClr val="accent1"/>
+          </a:lnRef>
+          <a:fillRef idx="0">
+            <a:schemeClr val="accent1"/>
+          </a:fillRef>
+          <a:effectRef idx="0">
+            <a:schemeClr val="accent1"/>
+          </a:effectRef>
+          <a:fontRef idx="minor">
+            <a:schemeClr val="tx1"/>
+          </a:fontRef>
+        </p:style>
+      </p:cxnSp>
     </p:spTree>
     <p:extLst>
       <p:ext uri="{BB962C8B-B14F-4D97-AF65-F5344CB8AC3E}">
-        <p14:creationId xmlns:p14="http://schemas.microsoft.com/office/powerpoint/2010/main" val="285239154"/>
+        <p14:creationId xmlns:p14="http://schemas.microsoft.com/office/powerpoint/2010/main" val="2535967042"/>
       </p:ext>
     </p:extLst>
   </p:cSld>
@@ -785,7 +921,7 @@
               <a:rPr lang="en-US" smtClean="0"/>
               <a:t>Click to edit Master title style</a:t>
             </a:r>
-            <a:endParaRPr lang="en-US"/>
+            <a:endParaRPr lang="en-US" dirty="0"/>
           </a:p>
         </p:txBody>
       </p:sp>
@@ -801,7 +937,7 @@
         </p:nvSpPr>
         <p:spPr/>
         <p:txBody>
-          <a:bodyPr vert="eaVert"/>
+          <a:bodyPr vert="eaVert" lIns="45720" tIns="0" rIns="45720" bIns="0"/>
           <a:lstStyle/>
           <a:p>
             <a:pPr lvl="0"/>
@@ -837,7 +973,7 @@
               <a:rPr lang="en-US" smtClean="0"/>
               <a:t>Fifth level</a:t>
             </a:r>
-            <a:endParaRPr lang="en-US"/>
+            <a:endParaRPr lang="en-US" dirty="0"/>
           </a:p>
         </p:txBody>
       </p:sp>
@@ -858,7 +994,7 @@
           <a:p>
             <a:fld id="{1905A278-B2DB-4F51-A920-8203A814DD58}" type="datetimeFigureOut">
               <a:rPr lang="en-US" smtClean="0"/>
-              <a:t>8/8/2017</a:t>
+              <a:t>8/11/2017</a:t>
             </a:fld>
             <a:endParaRPr lang="en-US"/>
           </a:p>
@@ -909,7 +1045,7 @@
     </p:spTree>
     <p:extLst>
       <p:ext uri="{BB962C8B-B14F-4D97-AF65-F5344CB8AC3E}">
-        <p14:creationId xmlns:p14="http://schemas.microsoft.com/office/powerpoint/2010/main" val="1334097707"/>
+        <p14:creationId xmlns:p14="http://schemas.microsoft.com/office/powerpoint/2010/main" val="2202758131"/>
       </p:ext>
     </p:extLst>
   </p:cSld>
@@ -920,7 +1056,7 @@
 </file>
 
 <file path=ppt/slideLayouts/slideLayout11.xml><?xml version="1.0" encoding="utf-8"?>
-<p:sldLayout xmlns:a="http://schemas.openxmlformats.org/drawingml/2006/main" xmlns:r="http://schemas.openxmlformats.org/officeDocument/2006/relationships" xmlns:p="http://schemas.openxmlformats.org/presentationml/2006/main" type="vertTitleAndTx" preserve="1">
+<p:sldLayout xmlns:a="http://schemas.openxmlformats.org/drawingml/2006/main" xmlns:r="http://schemas.openxmlformats.org/officeDocument/2006/relationships" xmlns:p="http://schemas.openxmlformats.org/presentationml/2006/main" showMasterSp="0" type="vertTitleAndTx" preserve="1">
   <p:cSld name="Vertical Title and Text">
     <p:spTree>
       <p:nvGrpSpPr>
@@ -938,6 +1074,82 @@
       </p:grpSpPr>
       <p:sp>
         <p:nvSpPr>
+          <p:cNvPr id="7" name="Rectangle 6"/>
+          <p:cNvSpPr/>
+          <p:nvPr/>
+        </p:nvSpPr>
+        <p:spPr>
+          <a:xfrm>
+            <a:off x="3175" y="6400800"/>
+            <a:ext cx="12188825" cy="457200"/>
+          </a:xfrm>
+          <a:prstGeom prst="rect">
+            <a:avLst/>
+          </a:prstGeom>
+          <a:solidFill>
+            <a:schemeClr val="accent2"/>
+          </a:solidFill>
+          <a:ln>
+            <a:noFill/>
+          </a:ln>
+        </p:spPr>
+        <p:style>
+          <a:lnRef idx="2">
+            <a:schemeClr val="accent1">
+              <a:shade val="50000"/>
+            </a:schemeClr>
+          </a:lnRef>
+          <a:fillRef idx="1">
+            <a:schemeClr val="accent1"/>
+          </a:fillRef>
+          <a:effectRef idx="0">
+            <a:schemeClr val="accent1"/>
+          </a:effectRef>
+          <a:fontRef idx="minor">
+            <a:schemeClr val="lt1"/>
+          </a:fontRef>
+        </p:style>
+      </p:sp>
+      <p:sp>
+        <p:nvSpPr>
+          <p:cNvPr id="8" name="Rectangle 7"/>
+          <p:cNvSpPr/>
+          <p:nvPr/>
+        </p:nvSpPr>
+        <p:spPr>
+          <a:xfrm>
+            <a:off x="15" y="6334316"/>
+            <a:ext cx="12188825" cy="64008"/>
+          </a:xfrm>
+          <a:prstGeom prst="rect">
+            <a:avLst/>
+          </a:prstGeom>
+          <a:solidFill>
+            <a:schemeClr val="accent1"/>
+          </a:solidFill>
+          <a:ln>
+            <a:noFill/>
+          </a:ln>
+        </p:spPr>
+        <p:style>
+          <a:lnRef idx="2">
+            <a:schemeClr val="accent1">
+              <a:shade val="50000"/>
+            </a:schemeClr>
+          </a:lnRef>
+          <a:fillRef idx="1">
+            <a:schemeClr val="accent1"/>
+          </a:fillRef>
+          <a:effectRef idx="0">
+            <a:schemeClr val="accent1"/>
+          </a:effectRef>
+          <a:fontRef idx="minor">
+            <a:schemeClr val="lt1"/>
+          </a:fontRef>
+        </p:style>
+      </p:sp>
+      <p:sp>
+        <p:nvSpPr>
           <p:cNvPr id="2" name="Vertical Title 1"/>
           <p:cNvSpPr>
             <a:spLocks noGrp="1"/>
@@ -948,8 +1160,8 @@
         </p:nvSpPr>
         <p:spPr>
           <a:xfrm>
-            <a:off x="8724900" y="365125"/>
-            <a:ext cx="2628900" cy="5811838"/>
+            <a:off x="8724900" y="414778"/>
+            <a:ext cx="2628900" cy="5757421"/>
           </a:xfrm>
         </p:spPr>
         <p:txBody>
@@ -960,7 +1172,7 @@
               <a:rPr lang="en-US" smtClean="0"/>
               <a:t>Click to edit Master title style</a:t>
             </a:r>
-            <a:endParaRPr lang="en-US"/>
+            <a:endParaRPr lang="en-US" dirty="0"/>
           </a:p>
         </p:txBody>
       </p:sp>
@@ -976,12 +1188,12 @@
         </p:nvSpPr>
         <p:spPr>
           <a:xfrm>
-            <a:off x="838200" y="365125"/>
-            <a:ext cx="7734300" cy="5811838"/>
-          </a:xfrm>
-        </p:spPr>
-        <p:txBody>
-          <a:bodyPr vert="eaVert"/>
+            <a:off x="838200" y="414778"/>
+            <a:ext cx="7734300" cy="5757422"/>
+          </a:xfrm>
+        </p:spPr>
+        <p:txBody>
+          <a:bodyPr vert="eaVert" lIns="45720" tIns="0" rIns="45720" bIns="0"/>
           <a:lstStyle/>
           <a:p>
             <a:pPr lvl="0"/>
@@ -1017,7 +1229,7 @@
               <a:rPr lang="en-US" smtClean="0"/>
               <a:t>Fifth level</a:t>
             </a:r>
-            <a:endParaRPr lang="en-US"/>
+            <a:endParaRPr lang="en-US" dirty="0"/>
           </a:p>
         </p:txBody>
       </p:sp>
@@ -1038,7 +1250,7 @@
           <a:p>
             <a:fld id="{1905A278-B2DB-4F51-A920-8203A814DD58}" type="datetimeFigureOut">
               <a:rPr lang="en-US" smtClean="0"/>
-              <a:t>8/8/2017</a:t>
+              <a:t>8/11/2017</a:t>
             </a:fld>
             <a:endParaRPr lang="en-US"/>
           </a:p>
@@ -1089,7 +1301,7 @@
     </p:spTree>
     <p:extLst>
       <p:ext uri="{BB962C8B-B14F-4D97-AF65-F5344CB8AC3E}">
-        <p14:creationId xmlns:p14="http://schemas.microsoft.com/office/powerpoint/2010/main" val="2997982426"/>
+        <p14:creationId xmlns:p14="http://schemas.microsoft.com/office/powerpoint/2010/main" val="3645551485"/>
       </p:ext>
     </p:extLst>
   </p:cSld>
@@ -1129,13 +1341,17 @@
         <p:spPr/>
         <p:txBody>
           <a:bodyPr/>
-          <a:lstStyle/>
+          <a:lstStyle>
+            <a:lvl1pPr marL="0">
+              <a:defRPr/>
+            </a:lvl1pPr>
+          </a:lstStyle>
           <a:p>
             <a:r>
               <a:rPr lang="en-US" smtClean="0"/>
               <a:t>Click to edit Master title style</a:t>
             </a:r>
-            <a:endParaRPr lang="en-US"/>
+            <a:endParaRPr lang="en-US" dirty="0"/>
           </a:p>
         </p:txBody>
       </p:sp>
@@ -1187,7 +1403,7 @@
               <a:rPr lang="en-US" smtClean="0"/>
               <a:t>Fifth level</a:t>
             </a:r>
-            <a:endParaRPr lang="en-US"/>
+            <a:endParaRPr lang="en-US" dirty="0"/>
           </a:p>
         </p:txBody>
       </p:sp>
@@ -1208,7 +1424,7 @@
           <a:p>
             <a:fld id="{1905A278-B2DB-4F51-A920-8203A814DD58}" type="datetimeFigureOut">
               <a:rPr lang="en-US" smtClean="0"/>
-              <a:t>8/8/2017</a:t>
+              <a:t>8/11/2017</a:t>
             </a:fld>
             <a:endParaRPr lang="en-US"/>
           </a:p>
@@ -1259,7 +1475,7 @@
     </p:spTree>
     <p:extLst>
       <p:ext uri="{BB962C8B-B14F-4D97-AF65-F5344CB8AC3E}">
-        <p14:creationId xmlns:p14="http://schemas.microsoft.com/office/powerpoint/2010/main" val="1825533336"/>
+        <p14:creationId xmlns:p14="http://schemas.microsoft.com/office/powerpoint/2010/main" val="3464450495"/>
       </p:ext>
     </p:extLst>
   </p:cSld>
@@ -1270,8 +1486,16 @@
 </file>
 
 <file path=ppt/slideLayouts/slideLayout3.xml><?xml version="1.0" encoding="utf-8"?>
-<p:sldLayout xmlns:a="http://schemas.openxmlformats.org/drawingml/2006/main" xmlns:r="http://schemas.openxmlformats.org/officeDocument/2006/relationships" xmlns:p="http://schemas.openxmlformats.org/presentationml/2006/main" type="secHead" preserve="1">
+<p:sldLayout xmlns:a="http://schemas.openxmlformats.org/drawingml/2006/main" xmlns:r="http://schemas.openxmlformats.org/officeDocument/2006/relationships" xmlns:p="http://schemas.openxmlformats.org/presentationml/2006/main" showMasterSp="0" type="secHead" preserve="1">
   <p:cSld name="Section Header">
+    <p:bg>
+      <p:bgPr>
+        <a:solidFill>
+          <a:schemeClr val="bg1"/>
+        </a:solidFill>
+        <a:effectLst/>
+      </p:bgPr>
+    </p:bg>
     <p:spTree>
       <p:nvGrpSpPr>
         <p:cNvPr id="1" name=""/>
@@ -1288,6 +1512,82 @@
       </p:grpSpPr>
       <p:sp>
         <p:nvSpPr>
+          <p:cNvPr id="7" name="Rectangle 6"/>
+          <p:cNvSpPr/>
+          <p:nvPr/>
+        </p:nvSpPr>
+        <p:spPr>
+          <a:xfrm>
+            <a:off x="3175" y="6400800"/>
+            <a:ext cx="12188825" cy="457200"/>
+          </a:xfrm>
+          <a:prstGeom prst="rect">
+            <a:avLst/>
+          </a:prstGeom>
+          <a:solidFill>
+            <a:schemeClr val="accent2"/>
+          </a:solidFill>
+          <a:ln>
+            <a:noFill/>
+          </a:ln>
+        </p:spPr>
+        <p:style>
+          <a:lnRef idx="2">
+            <a:schemeClr val="accent1">
+              <a:shade val="50000"/>
+            </a:schemeClr>
+          </a:lnRef>
+          <a:fillRef idx="1">
+            <a:schemeClr val="accent1"/>
+          </a:fillRef>
+          <a:effectRef idx="0">
+            <a:schemeClr val="accent1"/>
+          </a:effectRef>
+          <a:fontRef idx="minor">
+            <a:schemeClr val="lt1"/>
+          </a:fontRef>
+        </p:style>
+      </p:sp>
+      <p:sp>
+        <p:nvSpPr>
+          <p:cNvPr id="8" name="Rectangle 7"/>
+          <p:cNvSpPr/>
+          <p:nvPr/>
+        </p:nvSpPr>
+        <p:spPr>
+          <a:xfrm>
+            <a:off x="15" y="6334316"/>
+            <a:ext cx="12188825" cy="64008"/>
+          </a:xfrm>
+          <a:prstGeom prst="rect">
+            <a:avLst/>
+          </a:prstGeom>
+          <a:solidFill>
+            <a:schemeClr val="accent1"/>
+          </a:solidFill>
+          <a:ln>
+            <a:noFill/>
+          </a:ln>
+        </p:spPr>
+        <p:style>
+          <a:lnRef idx="2">
+            <a:schemeClr val="accent1">
+              <a:shade val="50000"/>
+            </a:schemeClr>
+          </a:lnRef>
+          <a:fillRef idx="1">
+            <a:schemeClr val="accent1"/>
+          </a:fillRef>
+          <a:effectRef idx="0">
+            <a:schemeClr val="accent1"/>
+          </a:effectRef>
+          <a:fontRef idx="minor">
+            <a:schemeClr val="lt1"/>
+          </a:fontRef>
+        </p:style>
+      </p:sp>
+      <p:sp>
+        <p:nvSpPr>
           <p:cNvPr id="2" name="Title 1"/>
           <p:cNvSpPr>
             <a:spLocks noGrp="1"/>
@@ -1298,58 +1598,71 @@
         </p:nvSpPr>
         <p:spPr>
           <a:xfrm>
-            <a:off x="831850" y="1709738"/>
-            <a:ext cx="10515600" cy="2852737"/>
-          </a:xfrm>
-        </p:spPr>
-        <p:txBody>
-          <a:bodyPr anchor="b"/>
+            <a:off x="1097280" y="758952"/>
+            <a:ext cx="10058400" cy="3566160"/>
+          </a:xfrm>
+        </p:spPr>
+        <p:txBody>
+          <a:bodyPr anchor="b" anchorCtr="0">
+            <a:normAutofit/>
+          </a:bodyPr>
           <a:lstStyle>
             <a:lvl1pPr>
-              <a:defRPr sz="6000"/>
-            </a:lvl1pPr>
-          </a:lstStyle>
-          <a:p>
-            <a:r>
-              <a:rPr lang="en-US" smtClean="0"/>
-              <a:t>Click to edit Master title style</a:t>
-            </a:r>
-            <a:endParaRPr lang="en-US"/>
-          </a:p>
-        </p:txBody>
-      </p:sp>
-      <p:sp>
-        <p:nvSpPr>
-          <p:cNvPr id="3" name="Text Placeholder 2"/>
-          <p:cNvSpPr>
-            <a:spLocks noGrp="1"/>
-          </p:cNvSpPr>
-          <p:nvPr>
-            <p:ph type="body" idx="1"/>
-          </p:nvPr>
-        </p:nvSpPr>
-        <p:spPr>
-          <a:xfrm>
-            <a:off x="831850" y="4589463"/>
-            <a:ext cx="10515600" cy="1500187"/>
-          </a:xfrm>
-        </p:spPr>
-        <p:txBody>
-          <a:bodyPr/>
-          <a:lstStyle>
-            <a:lvl1pPr marL="0" indent="0">
-              <a:buNone/>
-              <a:defRPr sz="2400">
+              <a:lnSpc>
+                <a:spcPct val="85000"/>
+              </a:lnSpc>
+              <a:defRPr sz="8000" b="0">
                 <a:solidFill>
                   <a:schemeClr val="tx1">
-                    <a:tint val="75000"/>
+                    <a:lumMod val="85000"/>
+                    <a:lumOff val="15000"/>
                   </a:schemeClr>
                 </a:solidFill>
               </a:defRPr>
             </a:lvl1pPr>
+          </a:lstStyle>
+          <a:p>
+            <a:r>
+              <a:rPr lang="en-US" smtClean="0"/>
+              <a:t>Click to edit Master title style</a:t>
+            </a:r>
+            <a:endParaRPr lang="en-US" dirty="0"/>
+          </a:p>
+        </p:txBody>
+      </p:sp>
+      <p:sp>
+        <p:nvSpPr>
+          <p:cNvPr id="3" name="Text Placeholder 2"/>
+          <p:cNvSpPr>
+            <a:spLocks noGrp="1"/>
+          </p:cNvSpPr>
+          <p:nvPr>
+            <p:ph type="body" idx="1"/>
+          </p:nvPr>
+        </p:nvSpPr>
+        <p:spPr>
+          <a:xfrm>
+            <a:off x="1097280" y="4453128"/>
+            <a:ext cx="10058400" cy="1143000"/>
+          </a:xfrm>
+        </p:spPr>
+        <p:txBody>
+          <a:bodyPr lIns="91440" rIns="91440" anchor="t" anchorCtr="0">
+            <a:normAutofit/>
+          </a:bodyPr>
+          <a:lstStyle>
+            <a:lvl1pPr marL="0" indent="0">
+              <a:buNone/>
+              <a:defRPr sz="2400" cap="all" spc="200" baseline="0">
+                <a:solidFill>
+                  <a:schemeClr val="tx2"/>
+                </a:solidFill>
+                <a:latin typeface="+mj-lt"/>
+              </a:defRPr>
+            </a:lvl1pPr>
             <a:lvl2pPr marL="457200" indent="0">
               <a:buNone/>
-              <a:defRPr sz="2000">
+              <a:defRPr sz="1800">
                 <a:solidFill>
                   <a:schemeClr val="tx1">
                     <a:tint val="75000"/>
@@ -1359,7 +1672,7 @@
             </a:lvl2pPr>
             <a:lvl3pPr marL="914400" indent="0">
               <a:buNone/>
-              <a:defRPr sz="1800">
+              <a:defRPr sz="1600">
                 <a:solidFill>
                   <a:schemeClr val="tx1">
                     <a:tint val="75000"/>
@@ -1369,7 +1682,7 @@
             </a:lvl3pPr>
             <a:lvl4pPr marL="1371600" indent="0">
               <a:buNone/>
-              <a:defRPr sz="1600">
+              <a:defRPr sz="1400">
                 <a:solidFill>
                   <a:schemeClr val="tx1">
                     <a:tint val="75000"/>
@@ -1379,7 +1692,7 @@
             </a:lvl4pPr>
             <a:lvl5pPr marL="1828800" indent="0">
               <a:buNone/>
-              <a:defRPr sz="1600">
+              <a:defRPr sz="1400">
                 <a:solidFill>
                   <a:schemeClr val="tx1">
                     <a:tint val="75000"/>
@@ -1389,7 +1702,7 @@
             </a:lvl5pPr>
             <a:lvl6pPr marL="2286000" indent="0">
               <a:buNone/>
-              <a:defRPr sz="1600">
+              <a:defRPr sz="1400">
                 <a:solidFill>
                   <a:schemeClr val="tx1">
                     <a:tint val="75000"/>
@@ -1399,7 +1712,7 @@
             </a:lvl6pPr>
             <a:lvl7pPr marL="2743200" indent="0">
               <a:buNone/>
-              <a:defRPr sz="1600">
+              <a:defRPr sz="1400">
                 <a:solidFill>
                   <a:schemeClr val="tx1">
                     <a:tint val="75000"/>
@@ -1409,7 +1722,7 @@
             </a:lvl7pPr>
             <a:lvl8pPr marL="3200400" indent="0">
               <a:buNone/>
-              <a:defRPr sz="1600">
+              <a:defRPr sz="1400">
                 <a:solidFill>
                   <a:schemeClr val="tx1">
                     <a:tint val="75000"/>
@@ -1419,7 +1732,7 @@
             </a:lvl8pPr>
             <a:lvl9pPr marL="3657600" indent="0">
               <a:buNone/>
-              <a:defRPr sz="1600">
+              <a:defRPr sz="1400">
                 <a:solidFill>
                   <a:schemeClr val="tx1">
                     <a:tint val="75000"/>
@@ -1454,7 +1767,7 @@
           <a:p>
             <a:fld id="{1905A278-B2DB-4F51-A920-8203A814DD58}" type="datetimeFigureOut">
               <a:rPr lang="en-US" smtClean="0"/>
-              <a:t>8/8/2017</a:t>
+              <a:t>8/11/2017</a:t>
             </a:fld>
             <a:endParaRPr lang="en-US"/>
           </a:p>
@@ -1502,10 +1815,48 @@
           </a:p>
         </p:txBody>
       </p:sp>
+      <p:cxnSp>
+        <p:nvCxnSpPr>
+          <p:cNvPr id="9" name="Straight Connector 8"/>
+          <p:cNvCxnSpPr/>
+          <p:nvPr/>
+        </p:nvCxnSpPr>
+        <p:spPr>
+          <a:xfrm>
+            <a:off x="1207658" y="4343400"/>
+            <a:ext cx="9875520" cy="0"/>
+          </a:xfrm>
+          <a:prstGeom prst="line">
+            <a:avLst/>
+          </a:prstGeom>
+          <a:ln w="6350">
+            <a:solidFill>
+              <a:schemeClr val="tx1">
+                <a:lumMod val="50000"/>
+                <a:lumOff val="50000"/>
+              </a:schemeClr>
+            </a:solidFill>
+          </a:ln>
+        </p:spPr>
+        <p:style>
+          <a:lnRef idx="1">
+            <a:schemeClr val="accent1"/>
+          </a:lnRef>
+          <a:fillRef idx="0">
+            <a:schemeClr val="accent1"/>
+          </a:fillRef>
+          <a:effectRef idx="0">
+            <a:schemeClr val="accent1"/>
+          </a:effectRef>
+          <a:fontRef idx="minor">
+            <a:schemeClr val="tx1"/>
+          </a:fontRef>
+        </p:style>
+      </p:cxnSp>
     </p:spTree>
     <p:extLst>
       <p:ext uri="{BB962C8B-B14F-4D97-AF65-F5344CB8AC3E}">
-        <p14:creationId xmlns:p14="http://schemas.microsoft.com/office/powerpoint/2010/main" val="443624963"/>
+        <p14:creationId xmlns:p14="http://schemas.microsoft.com/office/powerpoint/2010/main" val="4168562920"/>
       </p:ext>
     </p:extLst>
   </p:cSld>
@@ -1534,7 +1885,7 @@
       </p:grpSpPr>
       <p:sp>
         <p:nvSpPr>
-          <p:cNvPr id="2" name="Title 1"/>
+          <p:cNvPr id="8" name="Title 7"/>
           <p:cNvSpPr>
             <a:spLocks noGrp="1"/>
           </p:cNvSpPr>
@@ -1542,151 +1893,156 @@
             <p:ph type="title"/>
           </p:nvPr>
         </p:nvSpPr>
+        <p:spPr>
+          <a:xfrm>
+            <a:off x="1097280" y="286603"/>
+            <a:ext cx="10058400" cy="1450757"/>
+          </a:xfrm>
+        </p:spPr>
+        <p:txBody>
+          <a:bodyPr/>
+          <a:lstStyle/>
+          <a:p>
+            <a:r>
+              <a:rPr lang="en-US" smtClean="0"/>
+              <a:t>Click to edit Master title style</a:t>
+            </a:r>
+            <a:endParaRPr lang="en-US" dirty="0"/>
+          </a:p>
+        </p:txBody>
+      </p:sp>
+      <p:sp>
+        <p:nvSpPr>
+          <p:cNvPr id="3" name="Content Placeholder 2"/>
+          <p:cNvSpPr>
+            <a:spLocks noGrp="1"/>
+          </p:cNvSpPr>
+          <p:nvPr>
+            <p:ph sz="half" idx="1"/>
+          </p:nvPr>
+        </p:nvSpPr>
+        <p:spPr>
+          <a:xfrm>
+            <a:off x="1097279" y="1845734"/>
+            <a:ext cx="4937760" cy="4023360"/>
+          </a:xfrm>
+        </p:spPr>
+        <p:txBody>
+          <a:bodyPr/>
+          <a:lstStyle/>
+          <a:p>
+            <a:pPr lvl="0"/>
+            <a:r>
+              <a:rPr lang="en-US" smtClean="0"/>
+              <a:t>Click to edit Master text styles</a:t>
+            </a:r>
+          </a:p>
+          <a:p>
+            <a:pPr lvl="1"/>
+            <a:r>
+              <a:rPr lang="en-US" smtClean="0"/>
+              <a:t>Second level</a:t>
+            </a:r>
+          </a:p>
+          <a:p>
+            <a:pPr lvl="2"/>
+            <a:r>
+              <a:rPr lang="en-US" smtClean="0"/>
+              <a:t>Third level</a:t>
+            </a:r>
+          </a:p>
+          <a:p>
+            <a:pPr lvl="3"/>
+            <a:r>
+              <a:rPr lang="en-US" smtClean="0"/>
+              <a:t>Fourth level</a:t>
+            </a:r>
+          </a:p>
+          <a:p>
+            <a:pPr lvl="4"/>
+            <a:r>
+              <a:rPr lang="en-US" smtClean="0"/>
+              <a:t>Fifth level</a:t>
+            </a:r>
+            <a:endParaRPr lang="en-US" dirty="0"/>
+          </a:p>
+        </p:txBody>
+      </p:sp>
+      <p:sp>
+        <p:nvSpPr>
+          <p:cNvPr id="4" name="Content Placeholder 3"/>
+          <p:cNvSpPr>
+            <a:spLocks noGrp="1"/>
+          </p:cNvSpPr>
+          <p:nvPr>
+            <p:ph sz="half" idx="2"/>
+          </p:nvPr>
+        </p:nvSpPr>
+        <p:spPr>
+          <a:xfrm>
+            <a:off x="6217920" y="1845735"/>
+            <a:ext cx="4937760" cy="4023360"/>
+          </a:xfrm>
+        </p:spPr>
+        <p:txBody>
+          <a:bodyPr/>
+          <a:lstStyle/>
+          <a:p>
+            <a:pPr lvl="0"/>
+            <a:r>
+              <a:rPr lang="en-US" smtClean="0"/>
+              <a:t>Click to edit Master text styles</a:t>
+            </a:r>
+          </a:p>
+          <a:p>
+            <a:pPr lvl="1"/>
+            <a:r>
+              <a:rPr lang="en-US" smtClean="0"/>
+              <a:t>Second level</a:t>
+            </a:r>
+          </a:p>
+          <a:p>
+            <a:pPr lvl="2"/>
+            <a:r>
+              <a:rPr lang="en-US" smtClean="0"/>
+              <a:t>Third level</a:t>
+            </a:r>
+          </a:p>
+          <a:p>
+            <a:pPr lvl="3"/>
+            <a:r>
+              <a:rPr lang="en-US" smtClean="0"/>
+              <a:t>Fourth level</a:t>
+            </a:r>
+          </a:p>
+          <a:p>
+            <a:pPr lvl="4"/>
+            <a:r>
+              <a:rPr lang="en-US" smtClean="0"/>
+              <a:t>Fifth level</a:t>
+            </a:r>
+            <a:endParaRPr lang="en-US" dirty="0"/>
+          </a:p>
+        </p:txBody>
+      </p:sp>
+      <p:sp>
+        <p:nvSpPr>
+          <p:cNvPr id="5" name="Date Placeholder 4"/>
+          <p:cNvSpPr>
+            <a:spLocks noGrp="1"/>
+          </p:cNvSpPr>
+          <p:nvPr>
+            <p:ph type="dt" sz="half" idx="10"/>
+          </p:nvPr>
+        </p:nvSpPr>
         <p:spPr/>
         <p:txBody>
           <a:bodyPr/>
           <a:lstStyle/>
           <a:p>
-            <a:r>
-              <a:rPr lang="en-US" smtClean="0"/>
-              <a:t>Click to edit Master title style</a:t>
-            </a:r>
-            <a:endParaRPr lang="en-US"/>
-          </a:p>
-        </p:txBody>
-      </p:sp>
-      <p:sp>
-        <p:nvSpPr>
-          <p:cNvPr id="3" name="Content Placeholder 2"/>
-          <p:cNvSpPr>
-            <a:spLocks noGrp="1"/>
-          </p:cNvSpPr>
-          <p:nvPr>
-            <p:ph sz="half" idx="1"/>
-          </p:nvPr>
-        </p:nvSpPr>
-        <p:spPr>
-          <a:xfrm>
-            <a:off x="838200" y="1825625"/>
-            <a:ext cx="5181600" cy="4351338"/>
-          </a:xfrm>
-        </p:spPr>
-        <p:txBody>
-          <a:bodyPr/>
-          <a:lstStyle/>
-          <a:p>
-            <a:pPr lvl="0"/>
-            <a:r>
-              <a:rPr lang="en-US" smtClean="0"/>
-              <a:t>Click to edit Master text styles</a:t>
-            </a:r>
-          </a:p>
-          <a:p>
-            <a:pPr lvl="1"/>
-            <a:r>
-              <a:rPr lang="en-US" smtClean="0"/>
-              <a:t>Second level</a:t>
-            </a:r>
-          </a:p>
-          <a:p>
-            <a:pPr lvl="2"/>
-            <a:r>
-              <a:rPr lang="en-US" smtClean="0"/>
-              <a:t>Third level</a:t>
-            </a:r>
-          </a:p>
-          <a:p>
-            <a:pPr lvl="3"/>
-            <a:r>
-              <a:rPr lang="en-US" smtClean="0"/>
-              <a:t>Fourth level</a:t>
-            </a:r>
-          </a:p>
-          <a:p>
-            <a:pPr lvl="4"/>
-            <a:r>
-              <a:rPr lang="en-US" smtClean="0"/>
-              <a:t>Fifth level</a:t>
-            </a:r>
-            <a:endParaRPr lang="en-US"/>
-          </a:p>
-        </p:txBody>
-      </p:sp>
-      <p:sp>
-        <p:nvSpPr>
-          <p:cNvPr id="4" name="Content Placeholder 3"/>
-          <p:cNvSpPr>
-            <a:spLocks noGrp="1"/>
-          </p:cNvSpPr>
-          <p:nvPr>
-            <p:ph sz="half" idx="2"/>
-          </p:nvPr>
-        </p:nvSpPr>
-        <p:spPr>
-          <a:xfrm>
-            <a:off x="6172200" y="1825625"/>
-            <a:ext cx="5181600" cy="4351338"/>
-          </a:xfrm>
-        </p:spPr>
-        <p:txBody>
-          <a:bodyPr/>
-          <a:lstStyle/>
-          <a:p>
-            <a:pPr lvl="0"/>
-            <a:r>
-              <a:rPr lang="en-US" smtClean="0"/>
-              <a:t>Click to edit Master text styles</a:t>
-            </a:r>
-          </a:p>
-          <a:p>
-            <a:pPr lvl="1"/>
-            <a:r>
-              <a:rPr lang="en-US" smtClean="0"/>
-              <a:t>Second level</a:t>
-            </a:r>
-          </a:p>
-          <a:p>
-            <a:pPr lvl="2"/>
-            <a:r>
-              <a:rPr lang="en-US" smtClean="0"/>
-              <a:t>Third level</a:t>
-            </a:r>
-          </a:p>
-          <a:p>
-            <a:pPr lvl="3"/>
-            <a:r>
-              <a:rPr lang="en-US" smtClean="0"/>
-              <a:t>Fourth level</a:t>
-            </a:r>
-          </a:p>
-          <a:p>
-            <a:pPr lvl="4"/>
-            <a:r>
-              <a:rPr lang="en-US" smtClean="0"/>
-              <a:t>Fifth level</a:t>
-            </a:r>
-            <a:endParaRPr lang="en-US"/>
-          </a:p>
-        </p:txBody>
-      </p:sp>
-      <p:sp>
-        <p:nvSpPr>
-          <p:cNvPr id="5" name="Date Placeholder 4"/>
-          <p:cNvSpPr>
-            <a:spLocks noGrp="1"/>
-          </p:cNvSpPr>
-          <p:nvPr>
-            <p:ph type="dt" sz="half" idx="10"/>
-          </p:nvPr>
-        </p:nvSpPr>
-        <p:spPr/>
-        <p:txBody>
-          <a:bodyPr/>
-          <a:lstStyle/>
-          <a:p>
             <a:fld id="{1905A278-B2DB-4F51-A920-8203A814DD58}" type="datetimeFigureOut">
               <a:rPr lang="en-US" smtClean="0"/>
-              <a:t>8/8/2017</a:t>
+              <a:t>8/11/2017</a:t>
             </a:fld>
             <a:endParaRPr lang="en-US"/>
           </a:p>
@@ -1737,7 +2093,7 @@
     </p:spTree>
     <p:extLst>
       <p:ext uri="{BB962C8B-B14F-4D97-AF65-F5344CB8AC3E}">
-        <p14:creationId xmlns:p14="http://schemas.microsoft.com/office/powerpoint/2010/main" val="820832763"/>
+        <p14:creationId xmlns:p14="http://schemas.microsoft.com/office/powerpoint/2010/main" val="701761886"/>
       </p:ext>
     </p:extLst>
   </p:cSld>
@@ -1766,7 +2122,7 @@
       </p:grpSpPr>
       <p:sp>
         <p:nvSpPr>
-          <p:cNvPr id="2" name="Title 1"/>
+          <p:cNvPr id="10" name="Title 9"/>
           <p:cNvSpPr>
             <a:spLocks noGrp="1"/>
           </p:cNvSpPr>
@@ -1776,8 +2132,8 @@
         </p:nvSpPr>
         <p:spPr>
           <a:xfrm>
-            <a:off x="839788" y="365125"/>
-            <a:ext cx="10515600" cy="1325563"/>
+            <a:off x="1097280" y="286603"/>
+            <a:ext cx="10058400" cy="1450757"/>
           </a:xfrm>
         </p:spPr>
         <p:txBody>
@@ -1788,7 +2144,7 @@
               <a:rPr lang="en-US" smtClean="0"/>
               <a:t>Click to edit Master title style</a:t>
             </a:r>
-            <a:endParaRPr lang="en-US"/>
+            <a:endParaRPr lang="en-US" dirty="0"/>
           </a:p>
         </p:txBody>
       </p:sp>
@@ -1804,16 +2160,22 @@
         </p:nvSpPr>
         <p:spPr>
           <a:xfrm>
-            <a:off x="839788" y="1681163"/>
-            <a:ext cx="5157787" cy="823912"/>
-          </a:xfrm>
-        </p:spPr>
-        <p:txBody>
-          <a:bodyPr anchor="b"/>
+            <a:off x="1097280" y="1846052"/>
+            <a:ext cx="4937760" cy="736282"/>
+          </a:xfrm>
+        </p:spPr>
+        <p:txBody>
+          <a:bodyPr lIns="91440" rIns="91440" anchor="ctr">
+            <a:normAutofit/>
+          </a:bodyPr>
           <a:lstStyle>
             <a:lvl1pPr marL="0" indent="0">
               <a:buNone/>
-              <a:defRPr sz="2400" b="1"/>
+              <a:defRPr sz="2000" b="0" cap="all" baseline="0">
+                <a:solidFill>
+                  <a:schemeClr val="tx2"/>
+                </a:solidFill>
+              </a:defRPr>
             </a:lvl1pPr>
             <a:lvl2pPr marL="457200" indent="0">
               <a:buNone/>
@@ -1869,8 +2231,8 @@
         </p:nvSpPr>
         <p:spPr>
           <a:xfrm>
-            <a:off x="839788" y="2505075"/>
-            <a:ext cx="5157787" cy="3684588"/>
+            <a:off x="1097280" y="2582334"/>
+            <a:ext cx="4937760" cy="3378200"/>
           </a:xfrm>
         </p:spPr>
         <p:txBody>
@@ -1910,7 +2272,7 @@
               <a:rPr lang="en-US" smtClean="0"/>
               <a:t>Fifth level</a:t>
             </a:r>
-            <a:endParaRPr lang="en-US"/>
+            <a:endParaRPr lang="en-US" dirty="0"/>
           </a:p>
         </p:txBody>
       </p:sp>
@@ -1926,16 +2288,22 @@
         </p:nvSpPr>
         <p:spPr>
           <a:xfrm>
-            <a:off x="6172200" y="1681163"/>
-            <a:ext cx="5183188" cy="823912"/>
-          </a:xfrm>
-        </p:spPr>
-        <p:txBody>
-          <a:bodyPr anchor="b"/>
+            <a:off x="6217920" y="1846052"/>
+            <a:ext cx="4937760" cy="736282"/>
+          </a:xfrm>
+        </p:spPr>
+        <p:txBody>
+          <a:bodyPr lIns="91440" rIns="91440" anchor="ctr">
+            <a:normAutofit/>
+          </a:bodyPr>
           <a:lstStyle>
             <a:lvl1pPr marL="0" indent="0">
               <a:buNone/>
-              <a:defRPr sz="2400" b="1"/>
+              <a:defRPr sz="2000" b="0" cap="all" baseline="0">
+                <a:solidFill>
+                  <a:schemeClr val="tx2"/>
+                </a:solidFill>
+              </a:defRPr>
             </a:lvl1pPr>
             <a:lvl2pPr marL="457200" indent="0">
               <a:buNone/>
@@ -1991,8 +2359,8 @@
         </p:nvSpPr>
         <p:spPr>
           <a:xfrm>
-            <a:off x="6172200" y="2505075"/>
-            <a:ext cx="5183188" cy="3684588"/>
+            <a:off x="6217920" y="2582334"/>
+            <a:ext cx="4937760" cy="3378200"/>
           </a:xfrm>
         </p:spPr>
         <p:txBody>
@@ -2032,7 +2400,7 @@
               <a:rPr lang="en-US" smtClean="0"/>
               <a:t>Fifth level</a:t>
             </a:r>
-            <a:endParaRPr lang="en-US"/>
+            <a:endParaRPr lang="en-US" dirty="0"/>
           </a:p>
         </p:txBody>
       </p:sp>
@@ -2053,7 +2421,7 @@
           <a:p>
             <a:fld id="{1905A278-B2DB-4F51-A920-8203A814DD58}" type="datetimeFigureOut">
               <a:rPr lang="en-US" smtClean="0"/>
-              <a:t>8/8/2017</a:t>
+              <a:t>8/11/2017</a:t>
             </a:fld>
             <a:endParaRPr lang="en-US"/>
           </a:p>
@@ -2104,7 +2472,7 @@
     </p:spTree>
     <p:extLst>
       <p:ext uri="{BB962C8B-B14F-4D97-AF65-F5344CB8AC3E}">
-        <p14:creationId xmlns:p14="http://schemas.microsoft.com/office/powerpoint/2010/main" val="3998553240"/>
+        <p14:creationId xmlns:p14="http://schemas.microsoft.com/office/powerpoint/2010/main" val="1540086408"/>
       </p:ext>
     </p:extLst>
   </p:cSld>
@@ -2150,7 +2518,7 @@
               <a:rPr lang="en-US" smtClean="0"/>
               <a:t>Click to edit Master title style</a:t>
             </a:r>
-            <a:endParaRPr lang="en-US"/>
+            <a:endParaRPr lang="en-US" dirty="0"/>
           </a:p>
         </p:txBody>
       </p:sp>
@@ -2171,7 +2539,7 @@
           <a:p>
             <a:fld id="{1905A278-B2DB-4F51-A920-8203A814DD58}" type="datetimeFigureOut">
               <a:rPr lang="en-US" smtClean="0"/>
-              <a:t>8/8/2017</a:t>
+              <a:t>8/11/2017</a:t>
             </a:fld>
             <a:endParaRPr lang="en-US"/>
           </a:p>
@@ -2222,7 +2590,7 @@
     </p:spTree>
     <p:extLst>
       <p:ext uri="{BB962C8B-B14F-4D97-AF65-F5344CB8AC3E}">
-        <p14:creationId xmlns:p14="http://schemas.microsoft.com/office/powerpoint/2010/main" val="1648204559"/>
+        <p14:creationId xmlns:p14="http://schemas.microsoft.com/office/powerpoint/2010/main" val="1869437355"/>
       </p:ext>
     </p:extLst>
   </p:cSld>
@@ -2233,7 +2601,7 @@
 </file>
 
 <file path=ppt/slideLayouts/slideLayout7.xml><?xml version="1.0" encoding="utf-8"?>
-<p:sldLayout xmlns:a="http://schemas.openxmlformats.org/drawingml/2006/main" xmlns:r="http://schemas.openxmlformats.org/officeDocument/2006/relationships" xmlns:p="http://schemas.openxmlformats.org/presentationml/2006/main" type="blank" preserve="1">
+<p:sldLayout xmlns:a="http://schemas.openxmlformats.org/drawingml/2006/main" xmlns:r="http://schemas.openxmlformats.org/officeDocument/2006/relationships" xmlns:p="http://schemas.openxmlformats.org/presentationml/2006/main" showMasterSp="0" type="blank" preserve="1">
   <p:cSld name="Blank">
     <p:spTree>
       <p:nvGrpSpPr>
@@ -2251,7 +2619,83 @@
       </p:grpSpPr>
       <p:sp>
         <p:nvSpPr>
-          <p:cNvPr id="2" name="Date Placeholder 1"/>
+          <p:cNvPr id="5" name="Rectangle 4"/>
+          <p:cNvSpPr/>
+          <p:nvPr/>
+        </p:nvSpPr>
+        <p:spPr>
+          <a:xfrm>
+            <a:off x="3175" y="6400800"/>
+            <a:ext cx="12188825" cy="457200"/>
+          </a:xfrm>
+          <a:prstGeom prst="rect">
+            <a:avLst/>
+          </a:prstGeom>
+          <a:solidFill>
+            <a:schemeClr val="accent2"/>
+          </a:solidFill>
+          <a:ln>
+            <a:noFill/>
+          </a:ln>
+        </p:spPr>
+        <p:style>
+          <a:lnRef idx="2">
+            <a:schemeClr val="accent1">
+              <a:shade val="50000"/>
+            </a:schemeClr>
+          </a:lnRef>
+          <a:fillRef idx="1">
+            <a:schemeClr val="accent1"/>
+          </a:fillRef>
+          <a:effectRef idx="0">
+            <a:schemeClr val="accent1"/>
+          </a:effectRef>
+          <a:fontRef idx="minor">
+            <a:schemeClr val="lt1"/>
+          </a:fontRef>
+        </p:style>
+      </p:sp>
+      <p:sp>
+        <p:nvSpPr>
+          <p:cNvPr id="6" name="Rectangle 5"/>
+          <p:cNvSpPr/>
+          <p:nvPr/>
+        </p:nvSpPr>
+        <p:spPr>
+          <a:xfrm>
+            <a:off x="15" y="6334316"/>
+            <a:ext cx="12188825" cy="64008"/>
+          </a:xfrm>
+          <a:prstGeom prst="rect">
+            <a:avLst/>
+          </a:prstGeom>
+          <a:solidFill>
+            <a:schemeClr val="accent1"/>
+          </a:solidFill>
+          <a:ln>
+            <a:noFill/>
+          </a:ln>
+        </p:spPr>
+        <p:style>
+          <a:lnRef idx="2">
+            <a:schemeClr val="accent1">
+              <a:shade val="50000"/>
+            </a:schemeClr>
+          </a:lnRef>
+          <a:fillRef idx="1">
+            <a:schemeClr val="accent1"/>
+          </a:fillRef>
+          <a:effectRef idx="0">
+            <a:schemeClr val="accent1"/>
+          </a:effectRef>
+          <a:fontRef idx="minor">
+            <a:schemeClr val="lt1"/>
+          </a:fontRef>
+        </p:style>
+      </p:sp>
+      <p:sp>
+        <p:nvSpPr>
+          <p:cNvPr id="7" name="Date Placeholder 6"/>
           <p:cNvSpPr>
             <a:spLocks noGrp="1"/>
           </p:cNvSpPr>
@@ -2266,7 +2710,7 @@
           <a:p>
             <a:fld id="{1905A278-B2DB-4F51-A920-8203A814DD58}" type="datetimeFigureOut">
               <a:rPr lang="en-US" smtClean="0"/>
-              <a:t>8/8/2017</a:t>
+              <a:t>8/11/2017</a:t>
             </a:fld>
             <a:endParaRPr lang="en-US"/>
           </a:p>
@@ -2274,7 +2718,7 @@
       </p:sp>
       <p:sp>
         <p:nvSpPr>
-          <p:cNvPr id="3" name="Footer Placeholder 2"/>
+          <p:cNvPr id="8" name="Footer Placeholder 7"/>
           <p:cNvSpPr>
             <a:spLocks noGrp="1"/>
           </p:cNvSpPr>
@@ -2285,7 +2729,15 @@
         <p:spPr/>
         <p:txBody>
           <a:bodyPr/>
-          <a:lstStyle/>
+          <a:lstStyle>
+            <a:lvl1pPr>
+              <a:defRPr>
+                <a:solidFill>
+                  <a:srgbClr val="FFFFFF"/>
+                </a:solidFill>
+              </a:defRPr>
+            </a:lvl1pPr>
+          </a:lstStyle>
           <a:p>
             <a:endParaRPr lang="en-US"/>
           </a:p>
@@ -2293,7 +2745,7 @@
       </p:sp>
       <p:sp>
         <p:nvSpPr>
-          <p:cNvPr id="4" name="Slide Number Placeholder 3"/>
+          <p:cNvPr id="9" name="Slide Number Placeholder 8"/>
           <p:cNvSpPr>
             <a:spLocks noGrp="1"/>
           </p:cNvSpPr>
@@ -2317,7 +2769,7 @@
     </p:spTree>
     <p:extLst>
       <p:ext uri="{BB962C8B-B14F-4D97-AF65-F5344CB8AC3E}">
-        <p14:creationId xmlns:p14="http://schemas.microsoft.com/office/powerpoint/2010/main" val="2132091999"/>
+        <p14:creationId xmlns:p14="http://schemas.microsoft.com/office/powerpoint/2010/main" val="897587907"/>
       </p:ext>
     </p:extLst>
   </p:cSld>
@@ -2328,7 +2780,7 @@
 </file>
 
 <file path=ppt/slideLayouts/slideLayout8.xml><?xml version="1.0" encoding="utf-8"?>
-<p:sldLayout xmlns:a="http://schemas.openxmlformats.org/drawingml/2006/main" xmlns:r="http://schemas.openxmlformats.org/officeDocument/2006/relationships" xmlns:p="http://schemas.openxmlformats.org/presentationml/2006/main" type="objTx" preserve="1">
+<p:sldLayout xmlns:a="http://schemas.openxmlformats.org/drawingml/2006/main" xmlns:r="http://schemas.openxmlformats.org/officeDocument/2006/relationships" xmlns:p="http://schemas.openxmlformats.org/presentationml/2006/main" showMasterSp="0" type="objTx" preserve="1">
   <p:cSld name="Content with Caption">
     <p:spTree>
       <p:nvGrpSpPr>
@@ -2346,6 +2798,82 @@
       </p:grpSpPr>
       <p:sp>
         <p:nvSpPr>
+          <p:cNvPr id="8" name="Rectangle 7"/>
+          <p:cNvSpPr/>
+          <p:nvPr/>
+        </p:nvSpPr>
+        <p:spPr>
+          <a:xfrm>
+            <a:off x="16" y="0"/>
+            <a:ext cx="4050791" cy="6858000"/>
+          </a:xfrm>
+          <a:prstGeom prst="rect">
+            <a:avLst/>
+          </a:prstGeom>
+          <a:solidFill>
+            <a:schemeClr val="accent2"/>
+          </a:solidFill>
+          <a:ln>
+            <a:noFill/>
+          </a:ln>
+        </p:spPr>
+        <p:style>
+          <a:lnRef idx="2">
+            <a:schemeClr val="accent1">
+              <a:shade val="50000"/>
+            </a:schemeClr>
+          </a:lnRef>
+          <a:fillRef idx="1">
+            <a:schemeClr val="accent1"/>
+          </a:fillRef>
+          <a:effectRef idx="0">
+            <a:schemeClr val="accent1"/>
+          </a:effectRef>
+          <a:fontRef idx="minor">
+            <a:schemeClr val="lt1"/>
+          </a:fontRef>
+        </p:style>
+      </p:sp>
+      <p:sp>
+        <p:nvSpPr>
+          <p:cNvPr id="9" name="Rectangle 8"/>
+          <p:cNvSpPr/>
+          <p:nvPr/>
+        </p:nvSpPr>
+        <p:spPr>
+          <a:xfrm>
+            <a:off x="4040071" y="0"/>
+            <a:ext cx="64008" cy="6858000"/>
+          </a:xfrm>
+          <a:prstGeom prst="rect">
+            <a:avLst/>
+          </a:prstGeom>
+          <a:solidFill>
+            <a:schemeClr val="accent1"/>
+          </a:solidFill>
+          <a:ln>
+            <a:noFill/>
+          </a:ln>
+        </p:spPr>
+        <p:style>
+          <a:lnRef idx="2">
+            <a:schemeClr val="accent1">
+              <a:shade val="50000"/>
+            </a:schemeClr>
+          </a:lnRef>
+          <a:fillRef idx="1">
+            <a:schemeClr val="accent1"/>
+          </a:fillRef>
+          <a:effectRef idx="0">
+            <a:schemeClr val="accent1"/>
+          </a:effectRef>
+          <a:fontRef idx="minor">
+            <a:schemeClr val="lt1"/>
+          </a:fontRef>
+        </p:style>
+      </p:sp>
+      <p:sp>
+        <p:nvSpPr>
           <p:cNvPr id="2" name="Title 1"/>
           <p:cNvSpPr>
             <a:spLocks noGrp="1"/>
@@ -2356,15 +2884,21 @@
         </p:nvSpPr>
         <p:spPr>
           <a:xfrm>
-            <a:off x="839788" y="457200"/>
-            <a:ext cx="3932237" cy="1600200"/>
-          </a:xfrm>
-        </p:spPr>
-        <p:txBody>
-          <a:bodyPr anchor="b"/>
+            <a:off x="457200" y="594359"/>
+            <a:ext cx="3200400" cy="2286000"/>
+          </a:xfrm>
+        </p:spPr>
+        <p:txBody>
+          <a:bodyPr anchor="b">
+            <a:normAutofit/>
+          </a:bodyPr>
           <a:lstStyle>
             <a:lvl1pPr>
-              <a:defRPr sz="3200"/>
+              <a:defRPr sz="3600" b="0">
+                <a:solidFill>
+                  <a:srgbClr val="FFFFFF"/>
+                </a:solidFill>
+              </a:defRPr>
             </a:lvl1pPr>
           </a:lstStyle>
           <a:p>
@@ -2372,216 +2906,224 @@
               <a:rPr lang="en-US" smtClean="0"/>
               <a:t>Click to edit Master title style</a:t>
             </a:r>
+            <a:endParaRPr lang="en-US" dirty="0"/>
+          </a:p>
+        </p:txBody>
+      </p:sp>
+      <p:sp>
+        <p:nvSpPr>
+          <p:cNvPr id="3" name="Content Placeholder 2"/>
+          <p:cNvSpPr>
+            <a:spLocks noGrp="1"/>
+          </p:cNvSpPr>
+          <p:nvPr>
+            <p:ph idx="1"/>
+          </p:nvPr>
+        </p:nvSpPr>
+        <p:spPr>
+          <a:xfrm>
+            <a:off x="4800600" y="731520"/>
+            <a:ext cx="6492240" cy="5257800"/>
+          </a:xfrm>
+        </p:spPr>
+        <p:txBody>
+          <a:bodyPr/>
+          <a:lstStyle/>
+          <a:p>
+            <a:pPr lvl="0"/>
+            <a:r>
+              <a:rPr lang="en-US" smtClean="0"/>
+              <a:t>Click to edit Master text styles</a:t>
+            </a:r>
+          </a:p>
+          <a:p>
+            <a:pPr lvl="1"/>
+            <a:r>
+              <a:rPr lang="en-US" smtClean="0"/>
+              <a:t>Second level</a:t>
+            </a:r>
+          </a:p>
+          <a:p>
+            <a:pPr lvl="2"/>
+            <a:r>
+              <a:rPr lang="en-US" smtClean="0"/>
+              <a:t>Third level</a:t>
+            </a:r>
+          </a:p>
+          <a:p>
+            <a:pPr lvl="3"/>
+            <a:r>
+              <a:rPr lang="en-US" smtClean="0"/>
+              <a:t>Fourth level</a:t>
+            </a:r>
+          </a:p>
+          <a:p>
+            <a:pPr lvl="4"/>
+            <a:r>
+              <a:rPr lang="en-US" smtClean="0"/>
+              <a:t>Fifth level</a:t>
+            </a:r>
+            <a:endParaRPr lang="en-US" dirty="0"/>
+          </a:p>
+        </p:txBody>
+      </p:sp>
+      <p:sp>
+        <p:nvSpPr>
+          <p:cNvPr id="4" name="Text Placeholder 3"/>
+          <p:cNvSpPr>
+            <a:spLocks noGrp="1"/>
+          </p:cNvSpPr>
+          <p:nvPr>
+            <p:ph type="body" sz="half" idx="2"/>
+          </p:nvPr>
+        </p:nvSpPr>
+        <p:spPr>
+          <a:xfrm>
+            <a:off x="457200" y="2926080"/>
+            <a:ext cx="3200400" cy="3379124"/>
+          </a:xfrm>
+        </p:spPr>
+        <p:txBody>
+          <a:bodyPr lIns="91440" rIns="91440">
+            <a:normAutofit/>
+          </a:bodyPr>
+          <a:lstStyle>
+            <a:lvl1pPr marL="0" indent="0">
+              <a:buNone/>
+              <a:defRPr sz="1500">
+                <a:solidFill>
+                  <a:srgbClr val="FFFFFF"/>
+                </a:solidFill>
+              </a:defRPr>
+            </a:lvl1pPr>
+            <a:lvl2pPr marL="457200" indent="0">
+              <a:buNone/>
+              <a:defRPr sz="1200"/>
+            </a:lvl2pPr>
+            <a:lvl3pPr marL="914400" indent="0">
+              <a:buNone/>
+              <a:defRPr sz="1000"/>
+            </a:lvl3pPr>
+            <a:lvl4pPr marL="1371600" indent="0">
+              <a:buNone/>
+              <a:defRPr sz="900"/>
+            </a:lvl4pPr>
+            <a:lvl5pPr marL="1828800" indent="0">
+              <a:buNone/>
+              <a:defRPr sz="900"/>
+            </a:lvl5pPr>
+            <a:lvl6pPr marL="2286000" indent="0">
+              <a:buNone/>
+              <a:defRPr sz="900"/>
+            </a:lvl6pPr>
+            <a:lvl7pPr marL="2743200" indent="0">
+              <a:buNone/>
+              <a:defRPr sz="900"/>
+            </a:lvl7pPr>
+            <a:lvl8pPr marL="3200400" indent="0">
+              <a:buNone/>
+              <a:defRPr sz="900"/>
+            </a:lvl8pPr>
+            <a:lvl9pPr marL="3657600" indent="0">
+              <a:buNone/>
+              <a:defRPr sz="900"/>
+            </a:lvl9pPr>
+          </a:lstStyle>
+          <a:p>
+            <a:pPr lvl="0"/>
+            <a:r>
+              <a:rPr lang="en-US" smtClean="0"/>
+              <a:t>Click to edit Master text styles</a:t>
+            </a:r>
+          </a:p>
+        </p:txBody>
+      </p:sp>
+      <p:sp>
+        <p:nvSpPr>
+          <p:cNvPr id="5" name="Date Placeholder 4"/>
+          <p:cNvSpPr>
+            <a:spLocks noGrp="1"/>
+          </p:cNvSpPr>
+          <p:nvPr>
+            <p:ph type="dt" sz="half" idx="10"/>
+          </p:nvPr>
+        </p:nvSpPr>
+        <p:spPr>
+          <a:xfrm>
+            <a:off x="465512" y="6459785"/>
+            <a:ext cx="2618510" cy="365125"/>
+          </a:xfrm>
+        </p:spPr>
+        <p:txBody>
+          <a:bodyPr/>
+          <a:lstStyle>
+            <a:lvl1pPr algn="l">
+              <a:defRPr/>
+            </a:lvl1pPr>
+          </a:lstStyle>
+          <a:p>
+            <a:fld id="{1905A278-B2DB-4F51-A920-8203A814DD58}" type="datetimeFigureOut">
+              <a:rPr lang="en-US" smtClean="0"/>
+              <a:t>8/11/2017</a:t>
+            </a:fld>
             <a:endParaRPr lang="en-US"/>
           </a:p>
         </p:txBody>
       </p:sp>
       <p:sp>
         <p:nvSpPr>
-          <p:cNvPr id="3" name="Content Placeholder 2"/>
-          <p:cNvSpPr>
-            <a:spLocks noGrp="1"/>
-          </p:cNvSpPr>
-          <p:nvPr>
-            <p:ph idx="1"/>
-          </p:nvPr>
-        </p:nvSpPr>
-        <p:spPr>
-          <a:xfrm>
-            <a:off x="5183188" y="987425"/>
-            <a:ext cx="6172200" cy="4873625"/>
-          </a:xfrm>
-        </p:spPr>
+          <p:cNvPr id="6" name="Footer Placeholder 5"/>
+          <p:cNvSpPr>
+            <a:spLocks noGrp="1"/>
+          </p:cNvSpPr>
+          <p:nvPr>
+            <p:ph type="ftr" sz="quarter" idx="11"/>
+          </p:nvPr>
+        </p:nvSpPr>
+        <p:spPr>
+          <a:xfrm>
+            <a:off x="4800600" y="6459785"/>
+            <a:ext cx="4648200" cy="365125"/>
+          </a:xfrm>
+        </p:spPr>
+        <p:txBody>
+          <a:bodyPr/>
+          <a:lstStyle>
+            <a:lvl1pPr algn="l">
+              <a:defRPr>
+                <a:solidFill>
+                  <a:schemeClr val="tx2"/>
+                </a:solidFill>
+              </a:defRPr>
+            </a:lvl1pPr>
+          </a:lstStyle>
+          <a:p>
+            <a:endParaRPr lang="en-US"/>
+          </a:p>
+        </p:txBody>
+      </p:sp>
+      <p:sp>
+        <p:nvSpPr>
+          <p:cNvPr id="7" name="Slide Number Placeholder 6"/>
+          <p:cNvSpPr>
+            <a:spLocks noGrp="1"/>
+          </p:cNvSpPr>
+          <p:nvPr>
+            <p:ph type="sldNum" sz="quarter" idx="12"/>
+          </p:nvPr>
+        </p:nvSpPr>
+        <p:spPr/>
         <p:txBody>
           <a:bodyPr/>
           <a:lstStyle>
             <a:lvl1pPr>
-              <a:defRPr sz="3200"/>
+              <a:defRPr>
+                <a:solidFill>
+                  <a:schemeClr val="tx2"/>
+                </a:solidFill>
+              </a:defRPr>
             </a:lvl1pPr>
-            <a:lvl2pPr>
-              <a:defRPr sz="2800"/>
-            </a:lvl2pPr>
-            <a:lvl3pPr>
-              <a:defRPr sz="2400"/>
-            </a:lvl3pPr>
-            <a:lvl4pPr>
-              <a:defRPr sz="2000"/>
-            </a:lvl4pPr>
-            <a:lvl5pPr>
-              <a:defRPr sz="2000"/>
-            </a:lvl5pPr>
-            <a:lvl6pPr>
-              <a:defRPr sz="2000"/>
-            </a:lvl6pPr>
-            <a:lvl7pPr>
-              <a:defRPr sz="2000"/>
-            </a:lvl7pPr>
-            <a:lvl8pPr>
-              <a:defRPr sz="2000"/>
-            </a:lvl8pPr>
-            <a:lvl9pPr>
-              <a:defRPr sz="2000"/>
-            </a:lvl9pPr>
           </a:lstStyle>
-          <a:p>
-            <a:pPr lvl="0"/>
-            <a:r>
-              <a:rPr lang="en-US" smtClean="0"/>
-              <a:t>Click to edit Master text styles</a:t>
-            </a:r>
-          </a:p>
-          <a:p>
-            <a:pPr lvl="1"/>
-            <a:r>
-              <a:rPr lang="en-US" smtClean="0"/>
-              <a:t>Second level</a:t>
-            </a:r>
-          </a:p>
-          <a:p>
-            <a:pPr lvl="2"/>
-            <a:r>
-              <a:rPr lang="en-US" smtClean="0"/>
-              <a:t>Third level</a:t>
-            </a:r>
-          </a:p>
-          <a:p>
-            <a:pPr lvl="3"/>
-            <a:r>
-              <a:rPr lang="en-US" smtClean="0"/>
-              <a:t>Fourth level</a:t>
-            </a:r>
-          </a:p>
-          <a:p>
-            <a:pPr lvl="4"/>
-            <a:r>
-              <a:rPr lang="en-US" smtClean="0"/>
-              <a:t>Fifth level</a:t>
-            </a:r>
-            <a:endParaRPr lang="en-US"/>
-          </a:p>
-        </p:txBody>
-      </p:sp>
-      <p:sp>
-        <p:nvSpPr>
-          <p:cNvPr id="4" name="Text Placeholder 3"/>
-          <p:cNvSpPr>
-            <a:spLocks noGrp="1"/>
-          </p:cNvSpPr>
-          <p:nvPr>
-            <p:ph type="body" sz="half" idx="2"/>
-          </p:nvPr>
-        </p:nvSpPr>
-        <p:spPr>
-          <a:xfrm>
-            <a:off x="839788" y="2057400"/>
-            <a:ext cx="3932237" cy="3811588"/>
-          </a:xfrm>
-        </p:spPr>
-        <p:txBody>
-          <a:bodyPr/>
-          <a:lstStyle>
-            <a:lvl1pPr marL="0" indent="0">
-              <a:buNone/>
-              <a:defRPr sz="1600"/>
-            </a:lvl1pPr>
-            <a:lvl2pPr marL="457200" indent="0">
-              <a:buNone/>
-              <a:defRPr sz="1400"/>
-            </a:lvl2pPr>
-            <a:lvl3pPr marL="914400" indent="0">
-              <a:buNone/>
-              <a:defRPr sz="1200"/>
-            </a:lvl3pPr>
-            <a:lvl4pPr marL="1371600" indent="0">
-              <a:buNone/>
-              <a:defRPr sz="1000"/>
-            </a:lvl4pPr>
-            <a:lvl5pPr marL="1828800" indent="0">
-              <a:buNone/>
-              <a:defRPr sz="1000"/>
-            </a:lvl5pPr>
-            <a:lvl6pPr marL="2286000" indent="0">
-              <a:buNone/>
-              <a:defRPr sz="1000"/>
-            </a:lvl6pPr>
-            <a:lvl7pPr marL="2743200" indent="0">
-              <a:buNone/>
-              <a:defRPr sz="1000"/>
-            </a:lvl7pPr>
-            <a:lvl8pPr marL="3200400" indent="0">
-              <a:buNone/>
-              <a:defRPr sz="1000"/>
-            </a:lvl8pPr>
-            <a:lvl9pPr marL="3657600" indent="0">
-              <a:buNone/>
-              <a:defRPr sz="1000"/>
-            </a:lvl9pPr>
-          </a:lstStyle>
-          <a:p>
-            <a:pPr lvl="0"/>
-            <a:r>
-              <a:rPr lang="en-US" smtClean="0"/>
-              <a:t>Click to edit Master text styles</a:t>
-            </a:r>
-          </a:p>
-        </p:txBody>
-      </p:sp>
-      <p:sp>
-        <p:nvSpPr>
-          <p:cNvPr id="5" name="Date Placeholder 4"/>
-          <p:cNvSpPr>
-            <a:spLocks noGrp="1"/>
-          </p:cNvSpPr>
-          <p:nvPr>
-            <p:ph type="dt" sz="half" idx="10"/>
-          </p:nvPr>
-        </p:nvSpPr>
-        <p:spPr/>
-        <p:txBody>
-          <a:bodyPr/>
-          <a:lstStyle/>
-          <a:p>
-            <a:fld id="{1905A278-B2DB-4F51-A920-8203A814DD58}" type="datetimeFigureOut">
-              <a:rPr lang="en-US" smtClean="0"/>
-              <a:t>8/8/2017</a:t>
-            </a:fld>
-            <a:endParaRPr lang="en-US"/>
-          </a:p>
-        </p:txBody>
-      </p:sp>
-      <p:sp>
-        <p:nvSpPr>
-          <p:cNvPr id="6" name="Footer Placeholder 5"/>
-          <p:cNvSpPr>
-            <a:spLocks noGrp="1"/>
-          </p:cNvSpPr>
-          <p:nvPr>
-            <p:ph type="ftr" sz="quarter" idx="11"/>
-          </p:nvPr>
-        </p:nvSpPr>
-        <p:spPr/>
-        <p:txBody>
-          <a:bodyPr/>
-          <a:lstStyle/>
-          <a:p>
-            <a:endParaRPr lang="en-US"/>
-          </a:p>
-        </p:txBody>
-      </p:sp>
-      <p:sp>
-        <p:nvSpPr>
-          <p:cNvPr id="7" name="Slide Number Placeholder 6"/>
-          <p:cNvSpPr>
-            <a:spLocks noGrp="1"/>
-          </p:cNvSpPr>
-          <p:nvPr>
-            <p:ph type="sldNum" sz="quarter" idx="12"/>
-          </p:nvPr>
-        </p:nvSpPr>
-        <p:spPr/>
-        <p:txBody>
-          <a:bodyPr/>
-          <a:lstStyle/>
           <a:p>
             <a:fld id="{2B674D5E-2A1D-458F-9700-1EB7BF8FA926}" type="slidenum">
               <a:rPr lang="en-US" smtClean="0"/>
@@ -2594,7 +3136,7 @@
     </p:spTree>
     <p:extLst>
       <p:ext uri="{BB962C8B-B14F-4D97-AF65-F5344CB8AC3E}">
-        <p14:creationId xmlns:p14="http://schemas.microsoft.com/office/powerpoint/2010/main" val="2067050269"/>
+        <p14:creationId xmlns:p14="http://schemas.microsoft.com/office/powerpoint/2010/main" val="1350091275"/>
       </p:ext>
     </p:extLst>
   </p:cSld>
@@ -2605,7 +3147,7 @@
 </file>
 
 <file path=ppt/slideLayouts/slideLayout9.xml><?xml version="1.0" encoding="utf-8"?>
-<p:sldLayout xmlns:a="http://schemas.openxmlformats.org/drawingml/2006/main" xmlns:r="http://schemas.openxmlformats.org/officeDocument/2006/relationships" xmlns:p="http://schemas.openxmlformats.org/presentationml/2006/main" type="picTx" preserve="1">
+<p:sldLayout xmlns:a="http://schemas.openxmlformats.org/drawingml/2006/main" xmlns:r="http://schemas.openxmlformats.org/officeDocument/2006/relationships" xmlns:p="http://schemas.openxmlformats.org/presentationml/2006/main" showMasterSp="0" type="picTx" preserve="1">
   <p:cSld name="Picture with Caption">
     <p:spTree>
       <p:nvGrpSpPr>
@@ -2623,6 +3165,82 @@
       </p:grpSpPr>
       <p:sp>
         <p:nvSpPr>
+          <p:cNvPr id="8" name="Rectangle 7"/>
+          <p:cNvSpPr/>
+          <p:nvPr/>
+        </p:nvSpPr>
+        <p:spPr>
+          <a:xfrm>
+            <a:off x="0" y="4953000"/>
+            <a:ext cx="12188825" cy="1905000"/>
+          </a:xfrm>
+          <a:prstGeom prst="rect">
+            <a:avLst/>
+          </a:prstGeom>
+          <a:solidFill>
+            <a:schemeClr val="accent2"/>
+          </a:solidFill>
+          <a:ln>
+            <a:noFill/>
+          </a:ln>
+        </p:spPr>
+        <p:style>
+          <a:lnRef idx="2">
+            <a:schemeClr val="accent1">
+              <a:shade val="50000"/>
+            </a:schemeClr>
+          </a:lnRef>
+          <a:fillRef idx="1">
+            <a:schemeClr val="accent1"/>
+          </a:fillRef>
+          <a:effectRef idx="0">
+            <a:schemeClr val="accent1"/>
+          </a:effectRef>
+          <a:fontRef idx="minor">
+            <a:schemeClr val="lt1"/>
+          </a:fontRef>
+        </p:style>
+      </p:sp>
+      <p:sp>
+        <p:nvSpPr>
+          <p:cNvPr id="9" name="Rectangle 8"/>
+          <p:cNvSpPr/>
+          <p:nvPr/>
+        </p:nvSpPr>
+        <p:spPr>
+          <a:xfrm>
+            <a:off x="15" y="4915076"/>
+            <a:ext cx="12188825" cy="64008"/>
+          </a:xfrm>
+          <a:prstGeom prst="rect">
+            <a:avLst/>
+          </a:prstGeom>
+          <a:solidFill>
+            <a:schemeClr val="accent1"/>
+          </a:solidFill>
+          <a:ln>
+            <a:noFill/>
+          </a:ln>
+        </p:spPr>
+        <p:style>
+          <a:lnRef idx="2">
+            <a:schemeClr val="accent1">
+              <a:shade val="50000"/>
+            </a:schemeClr>
+          </a:lnRef>
+          <a:fillRef idx="1">
+            <a:schemeClr val="accent1"/>
+          </a:fillRef>
+          <a:effectRef idx="0">
+            <a:schemeClr val="accent1"/>
+          </a:effectRef>
+          <a:fontRef idx="minor">
+            <a:schemeClr val="lt1"/>
+          </a:fontRef>
+        </p:style>
+      </p:sp>
+      <p:sp>
+        <p:nvSpPr>
           <p:cNvPr id="2" name="Title 1"/>
           <p:cNvSpPr>
             <a:spLocks noGrp="1"/>
@@ -2633,15 +3251,21 @@
         </p:nvSpPr>
         <p:spPr>
           <a:xfrm>
-            <a:off x="839788" y="457200"/>
-            <a:ext cx="3932237" cy="1600200"/>
-          </a:xfrm>
-        </p:spPr>
-        <p:txBody>
-          <a:bodyPr anchor="b"/>
+            <a:off x="1097280" y="5074920"/>
+            <a:ext cx="10113264" cy="822960"/>
+          </a:xfrm>
+        </p:spPr>
+        <p:txBody>
+          <a:bodyPr lIns="91440" tIns="0" rIns="91440" bIns="0" anchor="b">
+            <a:noAutofit/>
+          </a:bodyPr>
           <a:lstStyle>
             <a:lvl1pPr>
-              <a:defRPr sz="3200"/>
+              <a:defRPr sz="3600" b="0">
+                <a:solidFill>
+                  <a:srgbClr val="FFFFFF"/>
+                </a:solidFill>
+              </a:defRPr>
             </a:lvl1pPr>
           </a:lstStyle>
           <a:p>
@@ -2649,7 +3273,7 @@
               <a:rPr lang="en-US" smtClean="0"/>
               <a:t>Click to edit Master title style</a:t>
             </a:r>
-            <a:endParaRPr lang="en-US"/>
+            <a:endParaRPr lang="en-US" dirty="0"/>
           </a:p>
         </p:txBody>
       </p:sp>
@@ -2657,7 +3281,7 @@
         <p:nvSpPr>
           <p:cNvPr id="3" name="Picture Placeholder 2"/>
           <p:cNvSpPr>
-            <a:spLocks noGrp="1"/>
+            <a:spLocks noGrp="1" noChangeAspect="1"/>
           </p:cNvSpPr>
           <p:nvPr>
             <p:ph type="pic" idx="1"/>
@@ -2665,16 +3289,26 @@
         </p:nvSpPr>
         <p:spPr>
           <a:xfrm>
-            <a:off x="5183188" y="987425"/>
-            <a:ext cx="6172200" cy="4873625"/>
-          </a:xfrm>
-        </p:spPr>
-        <p:txBody>
-          <a:bodyPr/>
+            <a:off x="15" y="0"/>
+            <a:ext cx="12191985" cy="4915076"/>
+          </a:xfrm>
+          <a:blipFill>
+            <a:blip r:embed="rId2"/>
+            <a:stretch>
+              <a:fillRect/>
+            </a:stretch>
+          </a:blipFill>
+        </p:spPr>
+        <p:txBody>
+          <a:bodyPr lIns="457200" tIns="457200" anchor="t"/>
           <a:lstStyle>
             <a:lvl1pPr marL="0" indent="0">
               <a:buNone/>
-              <a:defRPr sz="3200"/>
+              <a:defRPr sz="3200">
+                <a:solidFill>
+                  <a:schemeClr val="bg1"/>
+                </a:solidFill>
+              </a:defRPr>
             </a:lvl1pPr>
             <a:lvl2pPr marL="457200" indent="0">
               <a:buNone/>
@@ -2710,7 +3344,11 @@
             </a:lvl9pPr>
           </a:lstStyle>
           <a:p>
-            <a:endParaRPr lang="en-US"/>
+            <a:r>
+              <a:rPr lang="en-US" smtClean="0"/>
+              <a:t>Click icon to add picture</a:t>
+            </a:r>
+            <a:endParaRPr lang="en-US" dirty="0"/>
           </a:p>
         </p:txBody>
       </p:sp>
@@ -2726,48 +3364,60 @@
         </p:nvSpPr>
         <p:spPr>
           <a:xfrm>
-            <a:off x="839788" y="2057400"/>
-            <a:ext cx="3932237" cy="3811588"/>
-          </a:xfrm>
-        </p:spPr>
-        <p:txBody>
-          <a:bodyPr/>
+            <a:off x="1097280" y="5907023"/>
+            <a:ext cx="10113264" cy="594360"/>
+          </a:xfrm>
+        </p:spPr>
+        <p:txBody>
+          <a:bodyPr lIns="91440" tIns="0" rIns="91440" bIns="0">
+            <a:normAutofit/>
+          </a:bodyPr>
           <a:lstStyle>
             <a:lvl1pPr marL="0" indent="0">
-              <a:buNone/>
-              <a:defRPr sz="1600"/>
+              <a:spcBef>
+                <a:spcPts val="0"/>
+              </a:spcBef>
+              <a:spcAft>
+                <a:spcPts val="600"/>
+              </a:spcAft>
+              <a:buNone/>
+              <a:defRPr sz="1500">
+                <a:solidFill>
+                  <a:srgbClr val="FFFFFF"/>
+                </a:solidFill>
+              </a:defRPr>
             </a:lvl1pPr>
             <a:lvl2pPr marL="457200" indent="0">
               <a:buNone/>
-              <a:defRPr sz="1400"/>
+              <a:defRPr sz="1200"/>
             </a:lvl2pPr>
             <a:lvl3pPr marL="914400" indent="0">
               <a:buNone/>
-              <a:defRPr sz="1200"/>
+              <a:defRPr sz="1000"/>
             </a:lvl3pPr>
             <a:lvl4pPr marL="1371600" indent="0">
               <a:buNone/>
-              <a:defRPr sz="1000"/>
+              <a:defRPr sz="900"/>
             </a:lvl4pPr>
             <a:lvl5pPr marL="1828800" indent="0">
               <a:buNone/>
-              <a:defRPr sz="1000"/>
+              <a:defRPr sz="900"/>
             </a:lvl5pPr>
             <a:lvl6pPr marL="2286000" indent="0">
               <a:buNone/>
-              <a:defRPr sz="1000"/>
+              <a:defRPr sz="900"/>
             </a:lvl6pPr>
             <a:lvl7pPr marL="2743200" indent="0">
               <a:buNone/>
-              <a:defRPr sz="1000"/>
+              <a:defRPr sz="900"/>
             </a:lvl7pPr>
             <a:lvl8pPr marL="3200400" indent="0">
               <a:buNone/>
-              <a:defRPr sz="1000"/>
+              <a:defRPr sz="900"/>
             </a:lvl8pPr>
             <a:lvl9pPr marL="3657600" indent="0">
               <a:buNone/>
-              <a:defRPr sz="1000"/>
+              <a:defRPr sz="900"/>
             </a:lvl9pPr>
           </a:lstStyle>
           <a:p>
@@ -2796,7 +3446,7 @@
           <a:p>
             <a:fld id="{1905A278-B2DB-4F51-A920-8203A814DD58}" type="datetimeFigureOut">
               <a:rPr lang="en-US" smtClean="0"/>
-              <a:t>8/8/2017</a:t>
+              <a:t>8/11/2017</a:t>
             </a:fld>
             <a:endParaRPr lang="en-US"/>
           </a:p>
@@ -2847,7 +3497,7 @@
     </p:spTree>
     <p:extLst>
       <p:ext uri="{BB962C8B-B14F-4D97-AF65-F5344CB8AC3E}">
-        <p14:creationId xmlns:p14="http://schemas.microsoft.com/office/powerpoint/2010/main" val="1310370736"/>
+        <p14:creationId xmlns:p14="http://schemas.microsoft.com/office/powerpoint/2010/main" val="4292524776"/>
       </p:ext>
     </p:extLst>
   </p:cSld>
@@ -2881,127 +3531,201 @@
       </p:grpSpPr>
       <p:sp>
         <p:nvSpPr>
-          <p:cNvPr id="2" name="Title Placeholder 1"/>
-          <p:cNvSpPr>
-            <a:spLocks noGrp="1"/>
-          </p:cNvSpPr>
-          <p:nvPr>
-            <p:ph type="title"/>
-          </p:nvPr>
-        </p:nvSpPr>
-        <p:spPr>
-          <a:xfrm>
-            <a:off x="838200" y="365125"/>
-            <a:ext cx="10515600" cy="1325563"/>
+          <p:cNvPr id="7" name="Rectangle 6"/>
+          <p:cNvSpPr/>
+          <p:nvPr/>
+        </p:nvSpPr>
+        <p:spPr>
+          <a:xfrm>
+            <a:off x="1" y="6400800"/>
+            <a:ext cx="12192000" cy="457200"/>
           </a:xfrm>
           <a:prstGeom prst="rect">
             <a:avLst/>
           </a:prstGeom>
-        </p:spPr>
-        <p:txBody>
-          <a:bodyPr vert="horz" lIns="91440" tIns="45720" rIns="91440" bIns="45720" rtlCol="0" anchor="ctr">
-            <a:normAutofit/>
-          </a:bodyPr>
-          <a:lstStyle/>
-          <a:p>
-            <a:r>
-              <a:rPr lang="en-US" smtClean="0"/>
-              <a:t>Click to edit Master title style</a:t>
-            </a:r>
-            <a:endParaRPr lang="en-US"/>
-          </a:p>
-        </p:txBody>
-      </p:sp>
-      <p:sp>
-        <p:nvSpPr>
-          <p:cNvPr id="3" name="Text Placeholder 2"/>
-          <p:cNvSpPr>
-            <a:spLocks noGrp="1"/>
-          </p:cNvSpPr>
-          <p:nvPr>
-            <p:ph type="body" idx="1"/>
-          </p:nvPr>
-        </p:nvSpPr>
-        <p:spPr>
-          <a:xfrm>
-            <a:off x="838200" y="1825625"/>
-            <a:ext cx="10515600" cy="4351338"/>
+          <a:solidFill>
+            <a:schemeClr val="accent2"/>
+          </a:solidFill>
+          <a:ln>
+            <a:noFill/>
+          </a:ln>
+        </p:spPr>
+        <p:style>
+          <a:lnRef idx="2">
+            <a:schemeClr val="accent1">
+              <a:shade val="50000"/>
+            </a:schemeClr>
+          </a:lnRef>
+          <a:fillRef idx="1">
+            <a:schemeClr val="accent1"/>
+          </a:fillRef>
+          <a:effectRef idx="0">
+            <a:schemeClr val="accent1"/>
+          </a:effectRef>
+          <a:fontRef idx="minor">
+            <a:schemeClr val="lt1"/>
+          </a:fontRef>
+        </p:style>
+      </p:sp>
+      <p:sp>
+        <p:nvSpPr>
+          <p:cNvPr id="9" name="Rectangle 8"/>
+          <p:cNvSpPr/>
+          <p:nvPr/>
+        </p:nvSpPr>
+        <p:spPr>
+          <a:xfrm>
+            <a:off x="0" y="6334316"/>
+            <a:ext cx="12192001" cy="65998"/>
           </a:xfrm>
           <a:prstGeom prst="rect">
             <a:avLst/>
           </a:prstGeom>
-        </p:spPr>
-        <p:txBody>
-          <a:bodyPr vert="horz" lIns="91440" tIns="45720" rIns="91440" bIns="45720" rtlCol="0">
-            <a:normAutofit/>
-          </a:bodyPr>
-          <a:lstStyle/>
-          <a:p>
-            <a:pPr lvl="0"/>
-            <a:r>
-              <a:rPr lang="en-US" smtClean="0"/>
-              <a:t>Click to edit Master text styles</a:t>
-            </a:r>
-          </a:p>
-          <a:p>
-            <a:pPr lvl="1"/>
-            <a:r>
-              <a:rPr lang="en-US" smtClean="0"/>
-              <a:t>Second level</a:t>
-            </a:r>
-          </a:p>
-          <a:p>
-            <a:pPr lvl="2"/>
-            <a:r>
-              <a:rPr lang="en-US" smtClean="0"/>
-              <a:t>Third level</a:t>
-            </a:r>
-          </a:p>
-          <a:p>
-            <a:pPr lvl="3"/>
-            <a:r>
-              <a:rPr lang="en-US" smtClean="0"/>
-              <a:t>Fourth level</a:t>
-            </a:r>
-          </a:p>
-          <a:p>
-            <a:pPr lvl="4"/>
-            <a:r>
-              <a:rPr lang="en-US" smtClean="0"/>
-              <a:t>Fifth level</a:t>
-            </a:r>
-            <a:endParaRPr lang="en-US"/>
-          </a:p>
-        </p:txBody>
-      </p:sp>
-      <p:sp>
-        <p:nvSpPr>
-          <p:cNvPr id="4" name="Date Placeholder 3"/>
-          <p:cNvSpPr>
-            <a:spLocks noGrp="1"/>
-          </p:cNvSpPr>
-          <p:nvPr>
-            <p:ph type="dt" sz="half" idx="2"/>
-          </p:nvPr>
-        </p:nvSpPr>
-        <p:spPr>
-          <a:xfrm>
-            <a:off x="838200" y="6356350"/>
-            <a:ext cx="2743200" cy="365125"/>
+          <a:solidFill>
+            <a:schemeClr val="accent1"/>
+          </a:solidFill>
+          <a:ln>
+            <a:noFill/>
+          </a:ln>
+        </p:spPr>
+        <p:style>
+          <a:lnRef idx="2">
+            <a:schemeClr val="accent1">
+              <a:shade val="50000"/>
+            </a:schemeClr>
+          </a:lnRef>
+          <a:fillRef idx="1">
+            <a:schemeClr val="accent1"/>
+          </a:fillRef>
+          <a:effectRef idx="0">
+            <a:schemeClr val="accent1"/>
+          </a:effectRef>
+          <a:fontRef idx="minor">
+            <a:schemeClr val="lt1"/>
+          </a:fontRef>
+        </p:style>
+      </p:sp>
+      <p:sp>
+        <p:nvSpPr>
+          <p:cNvPr id="2" name="Title Placeholder 1"/>
+          <p:cNvSpPr>
+            <a:spLocks noGrp="1"/>
+          </p:cNvSpPr>
+          <p:nvPr>
+            <p:ph type="title"/>
+          </p:nvPr>
+        </p:nvSpPr>
+        <p:spPr>
+          <a:xfrm>
+            <a:off x="1097280" y="286603"/>
+            <a:ext cx="10058400" cy="1450757"/>
           </a:xfrm>
           <a:prstGeom prst="rect">
             <a:avLst/>
           </a:prstGeom>
         </p:spPr>
         <p:txBody>
+          <a:bodyPr vert="horz" lIns="91440" tIns="45720" rIns="91440" bIns="45720" rtlCol="0" anchor="b">
+            <a:normAutofit/>
+          </a:bodyPr>
+          <a:lstStyle/>
+          <a:p>
+            <a:r>
+              <a:rPr lang="en-US" smtClean="0"/>
+              <a:t>Click to edit Master title style</a:t>
+            </a:r>
+            <a:endParaRPr lang="en-US" dirty="0"/>
+          </a:p>
+        </p:txBody>
+      </p:sp>
+      <p:sp>
+        <p:nvSpPr>
+          <p:cNvPr id="3" name="Text Placeholder 2"/>
+          <p:cNvSpPr>
+            <a:spLocks noGrp="1"/>
+          </p:cNvSpPr>
+          <p:nvPr>
+            <p:ph type="body" idx="1"/>
+          </p:nvPr>
+        </p:nvSpPr>
+        <p:spPr>
+          <a:xfrm>
+            <a:off x="1097280" y="1845734"/>
+            <a:ext cx="10058400" cy="4023360"/>
+          </a:xfrm>
+          <a:prstGeom prst="rect">
+            <a:avLst/>
+          </a:prstGeom>
+        </p:spPr>
+        <p:txBody>
+          <a:bodyPr vert="horz" lIns="0" tIns="45720" rIns="0" bIns="45720" rtlCol="0">
+            <a:normAutofit/>
+          </a:bodyPr>
+          <a:lstStyle/>
+          <a:p>
+            <a:pPr lvl="0"/>
+            <a:r>
+              <a:rPr lang="en-US" smtClean="0"/>
+              <a:t>Click to edit Master text styles</a:t>
+            </a:r>
+          </a:p>
+          <a:p>
+            <a:pPr lvl="1"/>
+            <a:r>
+              <a:rPr lang="en-US" smtClean="0"/>
+              <a:t>Second level</a:t>
+            </a:r>
+          </a:p>
+          <a:p>
+            <a:pPr lvl="2"/>
+            <a:r>
+              <a:rPr lang="en-US" smtClean="0"/>
+              <a:t>Third level</a:t>
+            </a:r>
+          </a:p>
+          <a:p>
+            <a:pPr lvl="3"/>
+            <a:r>
+              <a:rPr lang="en-US" smtClean="0"/>
+              <a:t>Fourth level</a:t>
+            </a:r>
+          </a:p>
+          <a:p>
+            <a:pPr lvl="4"/>
+            <a:r>
+              <a:rPr lang="en-US" smtClean="0"/>
+              <a:t>Fifth level</a:t>
+            </a:r>
+            <a:endParaRPr lang="en-US" dirty="0"/>
+          </a:p>
+        </p:txBody>
+      </p:sp>
+      <p:sp>
+        <p:nvSpPr>
+          <p:cNvPr id="4" name="Date Placeholder 3"/>
+          <p:cNvSpPr>
+            <a:spLocks noGrp="1"/>
+          </p:cNvSpPr>
+          <p:nvPr>
+            <p:ph type="dt" sz="half" idx="2"/>
+          </p:nvPr>
+        </p:nvSpPr>
+        <p:spPr>
+          <a:xfrm>
+            <a:off x="1097280" y="6459785"/>
+            <a:ext cx="2472271" cy="365125"/>
+          </a:xfrm>
+          <a:prstGeom prst="rect">
+            <a:avLst/>
+          </a:prstGeom>
+        </p:spPr>
+        <p:txBody>
           <a:bodyPr vert="horz" lIns="91440" tIns="45720" rIns="91440" bIns="45720" rtlCol="0" anchor="ctr"/>
           <a:lstStyle>
             <a:lvl1pPr algn="l">
-              <a:defRPr sz="1200">
+              <a:defRPr sz="900">
                 <a:solidFill>
-                  <a:schemeClr val="tx1">
-                    <a:tint val="75000"/>
-                  </a:schemeClr>
+                  <a:srgbClr val="FFFFFF"/>
                 </a:solidFill>
               </a:defRPr>
             </a:lvl1pPr>
@@ -3009,7 +3733,7 @@
           <a:p>
             <a:fld id="{1905A278-B2DB-4F51-A920-8203A814DD58}" type="datetimeFigureOut">
               <a:rPr lang="en-US" smtClean="0"/>
-              <a:t>8/8/2017</a:t>
+              <a:t>8/11/2017</a:t>
             </a:fld>
             <a:endParaRPr lang="en-US"/>
           </a:p>
@@ -3027,8 +3751,8 @@
         </p:nvSpPr>
         <p:spPr>
           <a:xfrm>
-            <a:off x="4038600" y="6356350"/>
-            <a:ext cx="4114800" cy="365125"/>
+            <a:off x="3686185" y="6459785"/>
+            <a:ext cx="4822804" cy="365125"/>
           </a:xfrm>
           <a:prstGeom prst="rect">
             <a:avLst/>
@@ -3038,11 +3762,9 @@
           <a:bodyPr vert="horz" lIns="91440" tIns="45720" rIns="91440" bIns="45720" rtlCol="0" anchor="ctr"/>
           <a:lstStyle>
             <a:lvl1pPr algn="ctr">
-              <a:defRPr sz="1200">
+              <a:defRPr sz="900" cap="all" baseline="0">
                 <a:solidFill>
-                  <a:schemeClr val="tx1">
-                    <a:tint val="75000"/>
-                  </a:schemeClr>
+                  <a:srgbClr val="FFFFFF"/>
                 </a:solidFill>
               </a:defRPr>
             </a:lvl1pPr>
@@ -3064,8 +3786,8 @@
         </p:nvSpPr>
         <p:spPr>
           <a:xfrm>
-            <a:off x="8610600" y="6356350"/>
-            <a:ext cx="2743200" cy="365125"/>
+            <a:off x="9900458" y="6459785"/>
+            <a:ext cx="1312025" cy="365125"/>
           </a:xfrm>
           <a:prstGeom prst="rect">
             <a:avLst/>
@@ -3075,11 +3797,9 @@
           <a:bodyPr vert="horz" lIns="91440" tIns="45720" rIns="91440" bIns="45720" rtlCol="0" anchor="ctr"/>
           <a:lstStyle>
             <a:lvl1pPr algn="r">
-              <a:defRPr sz="1200">
+              <a:defRPr sz="1050">
                 <a:solidFill>
-                  <a:schemeClr val="tx1">
-                    <a:tint val="75000"/>
-                  </a:schemeClr>
+                  <a:srgbClr val="FFFFFF"/>
                 </a:solidFill>
               </a:defRPr>
             </a:lvl1pPr>
@@ -3093,40 +3813,81 @@
           </a:p>
         </p:txBody>
       </p:sp>
+      <p:cxnSp>
+        <p:nvCxnSpPr>
+          <p:cNvPr id="10" name="Straight Connector 9"/>
+          <p:cNvCxnSpPr/>
+          <p:nvPr/>
+        </p:nvCxnSpPr>
+        <p:spPr>
+          <a:xfrm>
+            <a:off x="1193532" y="1737845"/>
+            <a:ext cx="9966960" cy="0"/>
+          </a:xfrm>
+          <a:prstGeom prst="line">
+            <a:avLst/>
+          </a:prstGeom>
+          <a:ln w="6350">
+            <a:solidFill>
+              <a:schemeClr val="tx1">
+                <a:lumMod val="50000"/>
+                <a:lumOff val="50000"/>
+              </a:schemeClr>
+            </a:solidFill>
+          </a:ln>
+        </p:spPr>
+        <p:style>
+          <a:lnRef idx="1">
+            <a:schemeClr val="accent1"/>
+          </a:lnRef>
+          <a:fillRef idx="0">
+            <a:schemeClr val="accent1"/>
+          </a:fillRef>
+          <a:effectRef idx="0">
+            <a:schemeClr val="accent1"/>
+          </a:effectRef>
+          <a:fontRef idx="minor">
+            <a:schemeClr val="tx1"/>
+          </a:fontRef>
+        </p:style>
+      </p:cxnSp>
     </p:spTree>
     <p:extLst>
       <p:ext uri="{BB962C8B-B14F-4D97-AF65-F5344CB8AC3E}">
-        <p14:creationId xmlns:p14="http://schemas.microsoft.com/office/powerpoint/2010/main" val="566737275"/>
+        <p14:creationId xmlns:p14="http://schemas.microsoft.com/office/powerpoint/2010/main" val="2572504182"/>
       </p:ext>
     </p:extLst>
   </p:cSld>
   <p:clrMap bg1="lt1" tx1="dk1" bg2="lt2" tx2="dk2" accent1="accent1" accent2="accent2" accent3="accent3" accent4="accent4" accent5="accent5" accent6="accent6" hlink="hlink" folHlink="folHlink"/>
   <p:sldLayoutIdLst>
-    <p:sldLayoutId id="2147483649" r:id="rId1"/>
-    <p:sldLayoutId id="2147483650" r:id="rId2"/>
-    <p:sldLayoutId id="2147483651" r:id="rId3"/>
-    <p:sldLayoutId id="2147483652" r:id="rId4"/>
-    <p:sldLayoutId id="2147483653" r:id="rId5"/>
-    <p:sldLayoutId id="2147483654" r:id="rId6"/>
-    <p:sldLayoutId id="2147483655" r:id="rId7"/>
-    <p:sldLayoutId id="2147483656" r:id="rId8"/>
-    <p:sldLayoutId id="2147483657" r:id="rId9"/>
-    <p:sldLayoutId id="2147483658" r:id="rId10"/>
-    <p:sldLayoutId id="2147483659" r:id="rId11"/>
+    <p:sldLayoutId id="2147483661" r:id="rId1"/>
+    <p:sldLayoutId id="2147483662" r:id="rId2"/>
+    <p:sldLayoutId id="2147483663" r:id="rId3"/>
+    <p:sldLayoutId id="2147483664" r:id="rId4"/>
+    <p:sldLayoutId id="2147483665" r:id="rId5"/>
+    <p:sldLayoutId id="2147483666" r:id="rId6"/>
+    <p:sldLayoutId id="2147483667" r:id="rId7"/>
+    <p:sldLayoutId id="2147483668" r:id="rId8"/>
+    <p:sldLayoutId id="2147483669" r:id="rId9"/>
+    <p:sldLayoutId id="2147483670" r:id="rId10"/>
+    <p:sldLayoutId id="2147483671" r:id="rId11"/>
   </p:sldLayoutIdLst>
   <p:txStyles>
     <p:titleStyle>
       <a:lvl1pPr algn="l" defTabSz="914400" rtl="0" eaLnBrk="1" latinLnBrk="0" hangingPunct="1">
         <a:lnSpc>
-          <a:spcPct val="90000"/>
+          <a:spcPct val="85000"/>
         </a:lnSpc>
         <a:spcBef>
           <a:spcPct val="0"/>
         </a:spcBef>
         <a:buNone/>
-        <a:defRPr sz="4400" kern="1200">
+        <a:defRPr sz="4800" kern="1200" spc="-50" baseline="0">
           <a:solidFill>
-            <a:schemeClr val="tx1"/>
+            <a:schemeClr val="tx1">
+              <a:lumMod val="75000"/>
+              <a:lumOff val="25000"/>
+            </a:schemeClr>
           </a:solidFill>
           <a:latin typeface="+mj-lt"/>
           <a:ea typeface="+mj-ea"/>
@@ -3135,162 +3896,244 @@
       </a:lvl1pPr>
     </p:titleStyle>
     <p:bodyStyle>
-      <a:lvl1pPr marL="228600" indent="-228600" algn="l" defTabSz="914400" rtl="0" eaLnBrk="1" latinLnBrk="0" hangingPunct="1">
+      <a:lvl1pPr marL="91440" indent="-91440" algn="l" defTabSz="914400" rtl="0" eaLnBrk="1" latinLnBrk="0" hangingPunct="1">
         <a:lnSpc>
           <a:spcPct val="90000"/>
         </a:lnSpc>
         <a:spcBef>
-          <a:spcPts val="1000"/>
+          <a:spcPts val="1200"/>
         </a:spcBef>
-        <a:buFont typeface="Arial" panose="020B0604020202020204" pitchFamily="34" charset="0"/>
-        <a:buChar char="•"/>
-        <a:defRPr sz="2800" kern="1200">
+        <a:spcAft>
+          <a:spcPts val="200"/>
+        </a:spcAft>
+        <a:buClr>
+          <a:schemeClr val="accent1"/>
+        </a:buClr>
+        <a:buSzPct val="100000"/>
+        <a:buFont typeface="Calibri" panose="020F0502020204030204" pitchFamily="34" charset="0"/>
+        <a:buChar char=" "/>
+        <a:defRPr sz="2000" kern="1200">
           <a:solidFill>
-            <a:schemeClr val="tx1"/>
+            <a:schemeClr val="tx1">
+              <a:lumMod val="75000"/>
+              <a:lumOff val="25000"/>
+            </a:schemeClr>
           </a:solidFill>
           <a:latin typeface="+mn-lt"/>
           <a:ea typeface="+mn-ea"/>
           <a:cs typeface="+mn-cs"/>
         </a:defRPr>
       </a:lvl1pPr>
-      <a:lvl2pPr marL="685800" indent="-228600" algn="l" defTabSz="914400" rtl="0" eaLnBrk="1" latinLnBrk="0" hangingPunct="1">
+      <a:lvl2pPr marL="384048" indent="-182880" algn="l" defTabSz="914400" rtl="0" eaLnBrk="1" latinLnBrk="0" hangingPunct="1">
         <a:lnSpc>
           <a:spcPct val="90000"/>
         </a:lnSpc>
         <a:spcBef>
-          <a:spcPts val="500"/>
+          <a:spcPts val="200"/>
         </a:spcBef>
-        <a:buFont typeface="Arial" panose="020B0604020202020204" pitchFamily="34" charset="0"/>
-        <a:buChar char="•"/>
-        <a:defRPr sz="2400" kern="1200">
+        <a:spcAft>
+          <a:spcPts val="400"/>
+        </a:spcAft>
+        <a:buClr>
+          <a:schemeClr val="accent1"/>
+        </a:buClr>
+        <a:buFont typeface="Calibri" pitchFamily="34" charset="0"/>
+        <a:buChar char="◦"/>
+        <a:defRPr sz="1800" kern="1200">
           <a:solidFill>
-            <a:schemeClr val="tx1"/>
+            <a:schemeClr val="tx1">
+              <a:lumMod val="75000"/>
+              <a:lumOff val="25000"/>
+            </a:schemeClr>
           </a:solidFill>
           <a:latin typeface="+mn-lt"/>
           <a:ea typeface="+mn-ea"/>
           <a:cs typeface="+mn-cs"/>
         </a:defRPr>
       </a:lvl2pPr>
-      <a:lvl3pPr marL="1143000" indent="-228600" algn="l" defTabSz="914400" rtl="0" eaLnBrk="1" latinLnBrk="0" hangingPunct="1">
+      <a:lvl3pPr marL="566928" indent="-182880" algn="l" defTabSz="914400" rtl="0" eaLnBrk="1" latinLnBrk="0" hangingPunct="1">
         <a:lnSpc>
           <a:spcPct val="90000"/>
         </a:lnSpc>
         <a:spcBef>
-          <a:spcPts val="500"/>
+          <a:spcPts val="200"/>
         </a:spcBef>
-        <a:buFont typeface="Arial" panose="020B0604020202020204" pitchFamily="34" charset="0"/>
-        <a:buChar char="•"/>
-        <a:defRPr sz="2000" kern="1200">
+        <a:spcAft>
+          <a:spcPts val="400"/>
+        </a:spcAft>
+        <a:buClr>
+          <a:schemeClr val="accent1"/>
+        </a:buClr>
+        <a:buFont typeface="Calibri" pitchFamily="34" charset="0"/>
+        <a:buChar char="◦"/>
+        <a:defRPr sz="1400" kern="1200">
           <a:solidFill>
-            <a:schemeClr val="tx1"/>
+            <a:schemeClr val="tx1">
+              <a:lumMod val="75000"/>
+              <a:lumOff val="25000"/>
+            </a:schemeClr>
           </a:solidFill>
           <a:latin typeface="+mn-lt"/>
           <a:ea typeface="+mn-ea"/>
           <a:cs typeface="+mn-cs"/>
         </a:defRPr>
       </a:lvl3pPr>
-      <a:lvl4pPr marL="1600200" indent="-228600" algn="l" defTabSz="914400" rtl="0" eaLnBrk="1" latinLnBrk="0" hangingPunct="1">
+      <a:lvl4pPr marL="749808" indent="-182880" algn="l" defTabSz="914400" rtl="0" eaLnBrk="1" latinLnBrk="0" hangingPunct="1">
         <a:lnSpc>
           <a:spcPct val="90000"/>
         </a:lnSpc>
         <a:spcBef>
-          <a:spcPts val="500"/>
+          <a:spcPts val="200"/>
         </a:spcBef>
-        <a:buFont typeface="Arial" panose="020B0604020202020204" pitchFamily="34" charset="0"/>
-        <a:buChar char="•"/>
-        <a:defRPr sz="1800" kern="1200">
+        <a:spcAft>
+          <a:spcPts val="400"/>
+        </a:spcAft>
+        <a:buClr>
+          <a:schemeClr val="accent1"/>
+        </a:buClr>
+        <a:buFont typeface="Calibri" pitchFamily="34" charset="0"/>
+        <a:buChar char="◦"/>
+        <a:defRPr sz="1400" kern="1200">
           <a:solidFill>
-            <a:schemeClr val="tx1"/>
+            <a:schemeClr val="tx1">
+              <a:lumMod val="75000"/>
+              <a:lumOff val="25000"/>
+            </a:schemeClr>
           </a:solidFill>
           <a:latin typeface="+mn-lt"/>
           <a:ea typeface="+mn-ea"/>
           <a:cs typeface="+mn-cs"/>
         </a:defRPr>
       </a:lvl4pPr>
-      <a:lvl5pPr marL="2057400" indent="-228600" algn="l" defTabSz="914400" rtl="0" eaLnBrk="1" latinLnBrk="0" hangingPunct="1">
+      <a:lvl5pPr marL="932688" indent="-182880" algn="l" defTabSz="914400" rtl="0" eaLnBrk="1" latinLnBrk="0" hangingPunct="1">
         <a:lnSpc>
           <a:spcPct val="90000"/>
         </a:lnSpc>
         <a:spcBef>
-          <a:spcPts val="500"/>
+          <a:spcPts val="200"/>
         </a:spcBef>
-        <a:buFont typeface="Arial" panose="020B0604020202020204" pitchFamily="34" charset="0"/>
-        <a:buChar char="•"/>
-        <a:defRPr sz="1800" kern="1200">
+        <a:spcAft>
+          <a:spcPts val="400"/>
+        </a:spcAft>
+        <a:buClr>
+          <a:schemeClr val="accent1"/>
+        </a:buClr>
+        <a:buFont typeface="Calibri" pitchFamily="34" charset="0"/>
+        <a:buChar char="◦"/>
+        <a:defRPr sz="1400" kern="1200">
           <a:solidFill>
-            <a:schemeClr val="tx1"/>
+            <a:schemeClr val="tx1">
+              <a:lumMod val="75000"/>
+              <a:lumOff val="25000"/>
+            </a:schemeClr>
           </a:solidFill>
           <a:latin typeface="+mn-lt"/>
           <a:ea typeface="+mn-ea"/>
           <a:cs typeface="+mn-cs"/>
         </a:defRPr>
       </a:lvl5pPr>
-      <a:lvl6pPr marL="2514600" indent="-228600" algn="l" defTabSz="914400" rtl="0" eaLnBrk="1" latinLnBrk="0" hangingPunct="1">
+      <a:lvl6pPr marL="1100000" indent="-228600" algn="l" defTabSz="914400" rtl="0" eaLnBrk="1" latinLnBrk="0" hangingPunct="1">
         <a:lnSpc>
           <a:spcPct val="90000"/>
         </a:lnSpc>
         <a:spcBef>
-          <a:spcPts val="500"/>
+          <a:spcPts val="200"/>
         </a:spcBef>
-        <a:buFont typeface="Arial" panose="020B0604020202020204" pitchFamily="34" charset="0"/>
-        <a:buChar char="•"/>
-        <a:defRPr sz="1800" kern="1200">
+        <a:spcAft>
+          <a:spcPts val="400"/>
+        </a:spcAft>
+        <a:buClr>
+          <a:schemeClr val="accent1"/>
+        </a:buClr>
+        <a:buFont typeface="Calibri" pitchFamily="34" charset="0"/>
+        <a:buChar char="◦"/>
+        <a:defRPr sz="1400" kern="1200">
           <a:solidFill>
-            <a:schemeClr val="tx1"/>
+            <a:schemeClr val="tx1">
+              <a:lumMod val="75000"/>
+              <a:lumOff val="25000"/>
+            </a:schemeClr>
           </a:solidFill>
           <a:latin typeface="+mn-lt"/>
           <a:ea typeface="+mn-ea"/>
           <a:cs typeface="+mn-cs"/>
         </a:defRPr>
       </a:lvl6pPr>
-      <a:lvl7pPr marL="2971800" indent="-228600" algn="l" defTabSz="914400" rtl="0" eaLnBrk="1" latinLnBrk="0" hangingPunct="1">
+      <a:lvl7pPr marL="1300000" indent="-228600" algn="l" defTabSz="914400" rtl="0" eaLnBrk="1" latinLnBrk="0" hangingPunct="1">
         <a:lnSpc>
           <a:spcPct val="90000"/>
         </a:lnSpc>
         <a:spcBef>
-          <a:spcPts val="500"/>
+          <a:spcPts val="200"/>
         </a:spcBef>
-        <a:buFont typeface="Arial" panose="020B0604020202020204" pitchFamily="34" charset="0"/>
-        <a:buChar char="•"/>
-        <a:defRPr sz="1800" kern="1200">
+        <a:spcAft>
+          <a:spcPts val="400"/>
+        </a:spcAft>
+        <a:buClr>
+          <a:schemeClr val="accent1"/>
+        </a:buClr>
+        <a:buFont typeface="Calibri" pitchFamily="34" charset="0"/>
+        <a:buChar char="◦"/>
+        <a:defRPr sz="1400" kern="1200">
           <a:solidFill>
-            <a:schemeClr val="tx1"/>
+            <a:schemeClr val="tx1">
+              <a:lumMod val="75000"/>
+              <a:lumOff val="25000"/>
+            </a:schemeClr>
           </a:solidFill>
           <a:latin typeface="+mn-lt"/>
           <a:ea typeface="+mn-ea"/>
           <a:cs typeface="+mn-cs"/>
         </a:defRPr>
       </a:lvl7pPr>
-      <a:lvl8pPr marL="3429000" indent="-228600" algn="l" defTabSz="914400" rtl="0" eaLnBrk="1" latinLnBrk="0" hangingPunct="1">
+      <a:lvl8pPr marL="1500000" indent="-228600" algn="l" defTabSz="914400" rtl="0" eaLnBrk="1" latinLnBrk="0" hangingPunct="1">
         <a:lnSpc>
           <a:spcPct val="90000"/>
         </a:lnSpc>
         <a:spcBef>
-          <a:spcPts val="500"/>
+          <a:spcPts val="200"/>
         </a:spcBef>
-        <a:buFont typeface="Arial" panose="020B0604020202020204" pitchFamily="34" charset="0"/>
-        <a:buChar char="•"/>
-        <a:defRPr sz="1800" kern="1200">
+        <a:spcAft>
+          <a:spcPts val="400"/>
+        </a:spcAft>
+        <a:buClr>
+          <a:schemeClr val="accent1"/>
+        </a:buClr>
+        <a:buFont typeface="Calibri" pitchFamily="34" charset="0"/>
+        <a:buChar char="◦"/>
+        <a:defRPr sz="1400" kern="1200">
           <a:solidFill>
-            <a:schemeClr val="tx1"/>
+            <a:schemeClr val="tx1">
+              <a:lumMod val="75000"/>
+              <a:lumOff val="25000"/>
+            </a:schemeClr>
           </a:solidFill>
           <a:latin typeface="+mn-lt"/>
           <a:ea typeface="+mn-ea"/>
           <a:cs typeface="+mn-cs"/>
         </a:defRPr>
       </a:lvl8pPr>
-      <a:lvl9pPr marL="3886200" indent="-228600" algn="l" defTabSz="914400" rtl="0" eaLnBrk="1" latinLnBrk="0" hangingPunct="1">
+      <a:lvl9pPr marL="1700000" indent="-228600" algn="l" defTabSz="914400" rtl="0" eaLnBrk="1" latinLnBrk="0" hangingPunct="1">
         <a:lnSpc>
           <a:spcPct val="90000"/>
         </a:lnSpc>
         <a:spcBef>
-          <a:spcPts val="500"/>
+          <a:spcPts val="200"/>
         </a:spcBef>
-        <a:buFont typeface="Arial" panose="020B0604020202020204" pitchFamily="34" charset="0"/>
-        <a:buChar char="•"/>
-        <a:defRPr sz="1800" kern="1200">
+        <a:spcAft>
+          <a:spcPts val="400"/>
+        </a:spcAft>
+        <a:buClr>
+          <a:schemeClr val="accent1"/>
+        </a:buClr>
+        <a:buFont typeface="Calibri" pitchFamily="34" charset="0"/>
+        <a:buChar char="◦"/>
+        <a:defRPr sz="1400" kern="1200">
           <a:solidFill>
-            <a:schemeClr val="tx1"/>
+            <a:schemeClr val="tx1">
+              <a:lumMod val="75000"/>
+              <a:lumOff val="25000"/>
+            </a:schemeClr>
           </a:solidFill>
           <a:latin typeface="+mn-lt"/>
           <a:ea typeface="+mn-ea"/>
@@ -3416,6 +4259,156 @@
       </p:grpSpPr>
       <p:sp>
         <p:nvSpPr>
+          <p:cNvPr id="4" name="Title 3"/>
+          <p:cNvSpPr>
+            <a:spLocks noGrp="1"/>
+          </p:cNvSpPr>
+          <p:nvPr>
+            <p:ph type="ctrTitle"/>
+          </p:nvPr>
+        </p:nvSpPr>
+        <p:spPr>
+          <a:xfrm>
+            <a:off x="1541253" y="1872861"/>
+            <a:ext cx="9144000" cy="2387600"/>
+          </a:xfrm>
+        </p:spPr>
+        <p:txBody>
+          <a:bodyPr>
+            <a:normAutofit fontScale="90000"/>
+          </a:bodyPr>
+          <a:lstStyle/>
+          <a:p>
+            <a:r>
+              <a:rPr lang="en-US" dirty="0" smtClean="0"/>
+              <a:t>Erik Stryshak </a:t>
+            </a:r>
+            <a:br>
+              <a:rPr lang="en-US" dirty="0" smtClean="0"/>
+            </a:br>
+            <a:r>
+              <a:rPr lang="en-US" dirty="0" smtClean="0"/>
+              <a:t>Summer 2017 Projects</a:t>
+            </a:r>
+            <a:endParaRPr lang="en-US" dirty="0"/>
+          </a:p>
+        </p:txBody>
+      </p:sp>
+    </p:spTree>
+    <p:extLst>
+      <p:ext uri="{BB962C8B-B14F-4D97-AF65-F5344CB8AC3E}">
+        <p14:creationId xmlns:p14="http://schemas.microsoft.com/office/powerpoint/2010/main" val="2887806580"/>
+      </p:ext>
+    </p:extLst>
+  </p:cSld>
+  <p:clrMapOvr>
+    <a:masterClrMapping/>
+  </p:clrMapOvr>
+</p:sld>
+</file>
+
+<file path=ppt/slides/slide10.xml><?xml version="1.0" encoding="utf-8"?>
+<p:sld xmlns:a="http://schemas.openxmlformats.org/drawingml/2006/main" xmlns:r="http://schemas.openxmlformats.org/officeDocument/2006/relationships" xmlns:p="http://schemas.openxmlformats.org/presentationml/2006/main">
+  <p:cSld>
+    <p:spTree>
+      <p:nvGrpSpPr>
+        <p:cNvPr id="1" name=""/>
+        <p:cNvGrpSpPr/>
+        <p:nvPr/>
+      </p:nvGrpSpPr>
+      <p:grpSpPr>
+        <a:xfrm>
+          <a:off x="0" y="0"/>
+          <a:ext cx="0" cy="0"/>
+          <a:chOff x="0" y="0"/>
+          <a:chExt cx="0" cy="0"/>
+        </a:xfrm>
+      </p:grpSpPr>
+      <p:pic>
+        <p:nvPicPr>
+          <p:cNvPr id="4" name="Picture 3"/>
+          <p:cNvPicPr>
+            <a:picLocks noChangeAspect="1"/>
+          </p:cNvPicPr>
+          <p:nvPr/>
+        </p:nvPicPr>
+        <p:blipFill rotWithShape="1">
+          <a:blip r:embed="rId2"/>
+          <a:srcRect l="506" t="1142" r="558" b="1247"/>
+          <a:stretch/>
+        </p:blipFill>
+        <p:spPr>
+          <a:xfrm>
+            <a:off x="698740" y="336429"/>
+            <a:ext cx="10731260" cy="5175849"/>
+          </a:xfrm>
+          <a:prstGeom prst="rect">
+            <a:avLst/>
+          </a:prstGeom>
+        </p:spPr>
+      </p:pic>
+      <p:sp>
+        <p:nvSpPr>
+          <p:cNvPr id="5" name="TextBox 4"/>
+          <p:cNvSpPr txBox="1"/>
+          <p:nvPr/>
+        </p:nvSpPr>
+        <p:spPr>
+          <a:xfrm>
+            <a:off x="5351290" y="5676181"/>
+            <a:ext cx="1426160" cy="369332"/>
+          </a:xfrm>
+          <a:prstGeom prst="rect">
+            <a:avLst/>
+          </a:prstGeom>
+          <a:noFill/>
+        </p:spPr>
+        <p:txBody>
+          <a:bodyPr wrap="none" rtlCol="0">
+            <a:spAutoFit/>
+          </a:bodyPr>
+          <a:lstStyle/>
+          <a:p>
+            <a:r>
+              <a:rPr lang="en-US" dirty="0" smtClean="0"/>
+              <a:t>Miller Report</a:t>
+            </a:r>
+            <a:endParaRPr lang="en-US" dirty="0"/>
+          </a:p>
+        </p:txBody>
+      </p:sp>
+    </p:spTree>
+    <p:extLst>
+      <p:ext uri="{BB962C8B-B14F-4D97-AF65-F5344CB8AC3E}">
+        <p14:creationId xmlns:p14="http://schemas.microsoft.com/office/powerpoint/2010/main" val="2943155499"/>
+      </p:ext>
+    </p:extLst>
+  </p:cSld>
+  <p:clrMapOvr>
+    <a:masterClrMapping/>
+  </p:clrMapOvr>
+</p:sld>
+</file>
+
+<file path=ppt/slides/slide11.xml><?xml version="1.0" encoding="utf-8"?>
+<p:sld xmlns:a="http://schemas.openxmlformats.org/drawingml/2006/main" xmlns:r="http://schemas.openxmlformats.org/officeDocument/2006/relationships" xmlns:p="http://schemas.openxmlformats.org/presentationml/2006/main">
+  <p:cSld>
+    <p:spTree>
+      <p:nvGrpSpPr>
+        <p:cNvPr id="1" name=""/>
+        <p:cNvGrpSpPr/>
+        <p:nvPr/>
+      </p:nvGrpSpPr>
+      <p:grpSpPr>
+        <a:xfrm>
+          <a:off x="0" y="0"/>
+          <a:ext cx="0" cy="0"/>
+          <a:chOff x="0" y="0"/>
+          <a:chExt cx="0" cy="0"/>
+        </a:xfrm>
+      </p:grpSpPr>
+      <p:sp>
+        <p:nvSpPr>
           <p:cNvPr id="2" name="Title 1"/>
           <p:cNvSpPr>
             <a:spLocks noGrp="1"/>
@@ -3425,6 +4418,195 @@
           </p:nvPr>
         </p:nvSpPr>
         <p:spPr/>
+        <p:txBody>
+          <a:bodyPr/>
+          <a:lstStyle/>
+          <a:p>
+            <a:r>
+              <a:rPr lang="en-US" dirty="0" smtClean="0"/>
+              <a:t>Keg data parse</a:t>
+            </a:r>
+            <a:endParaRPr lang="en-US" dirty="0"/>
+          </a:p>
+        </p:txBody>
+      </p:sp>
+      <p:sp>
+        <p:nvSpPr>
+          <p:cNvPr id="3" name="Content Placeholder 2"/>
+          <p:cNvSpPr>
+            <a:spLocks noGrp="1"/>
+          </p:cNvSpPr>
+          <p:nvPr>
+            <p:ph idx="1"/>
+          </p:nvPr>
+        </p:nvSpPr>
+        <p:spPr/>
+        <p:txBody>
+          <a:bodyPr/>
+          <a:lstStyle/>
+          <a:p>
+            <a:r>
+              <a:rPr lang="en-US" dirty="0" smtClean="0"/>
+              <a:t>Task: Find shipments of kegs by wholesaler of Global Keg separated by size</a:t>
+            </a:r>
+          </a:p>
+          <a:p>
+            <a:r>
+              <a:rPr lang="en-US" dirty="0" smtClean="0"/>
+              <a:t>Parsed dataset of over 50 columns and 35,000 rows</a:t>
+            </a:r>
+          </a:p>
+          <a:p>
+            <a:r>
+              <a:rPr lang="en-US" dirty="0" smtClean="0"/>
+              <a:t>First found each distributor name and ID and placed in a table</a:t>
+            </a:r>
+          </a:p>
+          <a:p>
+            <a:r>
+              <a:rPr lang="en-US" dirty="0" smtClean="0"/>
+              <a:t>Used the Excel SUMIFS function to first check the Distributor ID in the dataset, and then separated ½ and 1/6 kegs into their own columns</a:t>
+            </a:r>
+          </a:p>
+          <a:p>
+            <a:r>
+              <a:rPr lang="en-US" dirty="0" smtClean="0"/>
+              <a:t>Final product is a filterable table by distributor name and id to see the number of kegs by size shipped</a:t>
+            </a:r>
+            <a:endParaRPr lang="en-US" dirty="0"/>
+          </a:p>
+        </p:txBody>
+      </p:sp>
+    </p:spTree>
+    <p:extLst>
+      <p:ext uri="{BB962C8B-B14F-4D97-AF65-F5344CB8AC3E}">
+        <p14:creationId xmlns:p14="http://schemas.microsoft.com/office/powerpoint/2010/main" val="1004252729"/>
+      </p:ext>
+    </p:extLst>
+  </p:cSld>
+  <p:clrMapOvr>
+    <a:masterClrMapping/>
+  </p:clrMapOvr>
+</p:sld>
+</file>
+
+<file path=ppt/slides/slide12.xml><?xml version="1.0" encoding="utf-8"?>
+<p:sld xmlns:a="http://schemas.openxmlformats.org/drawingml/2006/main" xmlns:r="http://schemas.openxmlformats.org/officeDocument/2006/relationships" xmlns:p="http://schemas.openxmlformats.org/presentationml/2006/main">
+  <p:cSld>
+    <p:spTree>
+      <p:nvGrpSpPr>
+        <p:cNvPr id="1" name=""/>
+        <p:cNvGrpSpPr/>
+        <p:nvPr/>
+      </p:nvGrpSpPr>
+      <p:grpSpPr>
+        <a:xfrm>
+          <a:off x="0" y="0"/>
+          <a:ext cx="0" cy="0"/>
+          <a:chOff x="0" y="0"/>
+          <a:chExt cx="0" cy="0"/>
+        </a:xfrm>
+      </p:grpSpPr>
+      <p:pic>
+        <p:nvPicPr>
+          <p:cNvPr id="2" name="Picture 1"/>
+          <p:cNvPicPr>
+            <a:picLocks noChangeAspect="1"/>
+          </p:cNvPicPr>
+          <p:nvPr/>
+        </p:nvPicPr>
+        <p:blipFill>
+          <a:blip r:embed="rId2"/>
+          <a:stretch>
+            <a:fillRect/>
+          </a:stretch>
+        </p:blipFill>
+        <p:spPr>
+          <a:xfrm>
+            <a:off x="2063226" y="514681"/>
+            <a:ext cx="7896225" cy="4848225"/>
+          </a:xfrm>
+          <a:prstGeom prst="rect">
+            <a:avLst/>
+          </a:prstGeom>
+        </p:spPr>
+      </p:pic>
+      <p:sp>
+        <p:nvSpPr>
+          <p:cNvPr id="3" name="TextBox 2"/>
+          <p:cNvSpPr txBox="1"/>
+          <p:nvPr/>
+        </p:nvSpPr>
+        <p:spPr>
+          <a:xfrm>
+            <a:off x="4705918" y="5495027"/>
+            <a:ext cx="2610843" cy="369332"/>
+          </a:xfrm>
+          <a:prstGeom prst="rect">
+            <a:avLst/>
+          </a:prstGeom>
+          <a:noFill/>
+        </p:spPr>
+        <p:txBody>
+          <a:bodyPr wrap="none" rtlCol="0">
+            <a:spAutoFit/>
+          </a:bodyPr>
+          <a:lstStyle/>
+          <a:p>
+            <a:r>
+              <a:rPr lang="en-US" dirty="0" smtClean="0"/>
+              <a:t>Final table of the keg data</a:t>
+            </a:r>
+            <a:endParaRPr lang="en-US" dirty="0"/>
+          </a:p>
+        </p:txBody>
+      </p:sp>
+    </p:spTree>
+    <p:extLst>
+      <p:ext uri="{BB962C8B-B14F-4D97-AF65-F5344CB8AC3E}">
+        <p14:creationId xmlns:p14="http://schemas.microsoft.com/office/powerpoint/2010/main" val="3571077455"/>
+      </p:ext>
+    </p:extLst>
+  </p:cSld>
+  <p:clrMapOvr>
+    <a:masterClrMapping/>
+  </p:clrMapOvr>
+</p:sld>
+</file>
+
+<file path=ppt/slides/slide2.xml><?xml version="1.0" encoding="utf-8"?>
+<p:sld xmlns:a="http://schemas.openxmlformats.org/drawingml/2006/main" xmlns:r="http://schemas.openxmlformats.org/officeDocument/2006/relationships" xmlns:p="http://schemas.openxmlformats.org/presentationml/2006/main">
+  <p:cSld>
+    <p:spTree>
+      <p:nvGrpSpPr>
+        <p:cNvPr id="1" name=""/>
+        <p:cNvGrpSpPr/>
+        <p:nvPr/>
+      </p:nvGrpSpPr>
+      <p:grpSpPr>
+        <a:xfrm>
+          <a:off x="0" y="0"/>
+          <a:ext cx="0" cy="0"/>
+          <a:chOff x="0" y="0"/>
+          <a:chExt cx="0" cy="0"/>
+        </a:xfrm>
+      </p:grpSpPr>
+      <p:sp>
+        <p:nvSpPr>
+          <p:cNvPr id="2" name="Title 1"/>
+          <p:cNvSpPr>
+            <a:spLocks noGrp="1"/>
+          </p:cNvSpPr>
+          <p:nvPr>
+            <p:ph type="title"/>
+          </p:nvPr>
+        </p:nvSpPr>
+        <p:spPr>
+          <a:xfrm>
+            <a:off x="1066800" y="269350"/>
+            <a:ext cx="10058400" cy="1450757"/>
+          </a:xfrm>
+        </p:spPr>
         <p:txBody>
           <a:bodyPr/>
           <a:lstStyle/>
@@ -3449,13 +4631,13 @@
         </p:nvSpPr>
         <p:spPr>
           <a:xfrm>
-            <a:off x="838200" y="1446028"/>
+            <a:off x="838200" y="1720107"/>
             <a:ext cx="10515600" cy="4730935"/>
           </a:xfrm>
         </p:spPr>
         <p:txBody>
           <a:bodyPr>
-            <a:normAutofit fontScale="85000" lnSpcReduction="10000"/>
+            <a:normAutofit/>
           </a:bodyPr>
           <a:lstStyle/>
           <a:p>
@@ -3467,27 +4649,7 @@
           <a:p>
             <a:r>
               <a:rPr lang="en-US" dirty="0" smtClean="0"/>
-              <a:t>The program uses keyboard sends and excel to loop through all orders from a city brewery in a defined date </a:t>
-            </a:r>
-            <a:r>
-              <a:rPr lang="en-US" dirty="0" smtClean="0"/>
-              <a:t>range </a:t>
-            </a:r>
-            <a:r>
-              <a:rPr lang="en-US" dirty="0" smtClean="0"/>
-              <a:t>and </a:t>
-            </a:r>
-            <a:r>
-              <a:rPr lang="en-US" dirty="0" smtClean="0"/>
-              <a:t>saves each </a:t>
-            </a:r>
-            <a:r>
-              <a:rPr lang="en-US" dirty="0" smtClean="0"/>
-              <a:t>order </a:t>
-            </a:r>
-            <a:r>
-              <a:rPr lang="en-US" dirty="0" smtClean="0"/>
-              <a:t>as</a:t>
+              <a:t>The program uses keyboard sends and excel to loop through all orders from a city brewery in a defined date range and saves each order as</a:t>
             </a:r>
             <a:r>
               <a:rPr lang="en-US" dirty="0"/>
@@ -3495,11 +4657,7 @@
             </a:r>
             <a:r>
               <a:rPr lang="en-US" dirty="0" smtClean="0"/>
-              <a:t>“order</a:t>
-            </a:r>
-            <a:r>
-              <a:rPr lang="en-US" dirty="0" smtClean="0"/>
-              <a:t>#.pdf”</a:t>
+              <a:t>“order#.pdf”</a:t>
             </a:r>
           </a:p>
           <a:p>
@@ -3507,7 +4665,6 @@
               <a:rPr lang="en-US" dirty="0" smtClean="0"/>
               <a:t>On average it takes the script 9 seconds to save one order, whereas a person takes about 15 seconds</a:t>
             </a:r>
-            <a:endParaRPr lang="en-US" dirty="0" smtClean="0"/>
           </a:p>
           <a:p>
             <a:r>
@@ -3536,11 +4693,7 @@
             </a:br>
             <a:r>
               <a:rPr lang="en-US" dirty="0" smtClean="0"/>
-              <a:t>Solution </a:t>
-            </a:r>
-            <a:r>
-              <a:rPr lang="en-US" dirty="0" smtClean="0"/>
-              <a:t>is a workaround due to the difficulty of extracting from vbs. With more time I would pursue using python so the program could run in the background instead of causing a computer to be unusable for the duration the script runs for</a:t>
+              <a:t>Solution is a workaround due to the difficulty of extracting from vbs. With more time I would pursue using python so the program could run in the background instead of causing a computer to be unusable for the duration the script runs for</a:t>
             </a:r>
             <a:endParaRPr lang="en-US" dirty="0"/>
           </a:p>
@@ -3559,7 +4712,7 @@
 </p:sld>
 </file>
 
-<file path=ppt/slides/slide2.xml><?xml version="1.0" encoding="utf-8"?>
+<file path=ppt/slides/slide3.xml><?xml version="1.0" encoding="utf-8"?>
 <p:sld xmlns:a="http://schemas.openxmlformats.org/drawingml/2006/main" xmlns:r="http://schemas.openxmlformats.org/officeDocument/2006/relationships" xmlns:p="http://schemas.openxmlformats.org/presentationml/2006/main">
   <p:cSld>
     <p:spTree>
@@ -3592,7 +4745,7 @@
         </p:blipFill>
         <p:spPr>
           <a:xfrm>
-            <a:off x="0" y="543463"/>
+            <a:off x="0" y="123050"/>
             <a:ext cx="7986623" cy="4451231"/>
           </a:xfrm>
           <a:prstGeom prst="rect">
@@ -3616,7 +4769,7 @@
         </p:blipFill>
         <p:spPr>
           <a:xfrm>
-            <a:off x="7986623" y="2409051"/>
+            <a:off x="7986623" y="2158885"/>
             <a:ext cx="4205377" cy="3439658"/>
           </a:xfrm>
           <a:prstGeom prst="rect">
@@ -3632,7 +4785,7 @@
         </p:nvSpPr>
         <p:spPr>
           <a:xfrm>
-            <a:off x="8065698" y="5909094"/>
+            <a:off x="8177841" y="5693433"/>
             <a:ext cx="3476445" cy="369332"/>
           </a:xfrm>
           <a:prstGeom prst="rect">
@@ -3662,7 +4815,7 @@
         </p:nvSpPr>
         <p:spPr>
           <a:xfrm>
-            <a:off x="181155" y="4994694"/>
+            <a:off x="198408" y="4842163"/>
             <a:ext cx="5020573" cy="369332"/>
           </a:xfrm>
           <a:prstGeom prst="rect">
@@ -3697,7 +4850,7 @@
 </p:sld>
 </file>
 
-<file path=ppt/slides/slide3.xml><?xml version="1.0" encoding="utf-8"?>
+<file path=ppt/slides/slide4.xml><?xml version="1.0" encoding="utf-8"?>
 <p:sld xmlns:a="http://schemas.openxmlformats.org/drawingml/2006/main" xmlns:r="http://schemas.openxmlformats.org/officeDocument/2006/relationships" xmlns:p="http://schemas.openxmlformats.org/presentationml/2006/main">
   <p:cSld>
     <p:spTree>
@@ -3750,35 +4903,19 @@
         <p:spPr/>
         <p:txBody>
           <a:bodyPr>
-            <a:normAutofit lnSpcReduction="10000"/>
+            <a:normAutofit/>
           </a:bodyPr>
           <a:lstStyle/>
           <a:p>
             <a:r>
               <a:rPr lang="en-US" dirty="0" smtClean="0"/>
-              <a:t>Developed two VBA macros and a python script to automatically combine daily inventory reports sent daily to the DSR’s into a filterable table including production and </a:t>
-            </a:r>
+              <a:t>Developed two VBA macros and a python script to automatically combine daily inventory reports sent daily to the DSR’s into a filterable table including production and ship by dates</a:t>
+            </a:r>
+          </a:p>
+          <a:p>
             <a:r>
               <a:rPr lang="en-US" dirty="0" smtClean="0"/>
-              <a:t>ship by </a:t>
-            </a:r>
-            <a:r>
-              <a:rPr lang="en-US" dirty="0" smtClean="0"/>
-              <a:t>dates</a:t>
-            </a:r>
-          </a:p>
-          <a:p>
-            <a:r>
-              <a:rPr lang="en-US" dirty="0" smtClean="0"/>
-              <a:t>The outlook macro saves the inventory reports to a </a:t>
-            </a:r>
-            <a:r>
-              <a:rPr lang="en-US" dirty="0" smtClean="0"/>
-              <a:t>SharePoint </a:t>
-            </a:r>
-            <a:r>
-              <a:rPr lang="en-US" dirty="0" smtClean="0"/>
-              <a:t>folder</a:t>
+              <a:t>The outlook macro saves the inventory reports to a SharePoint folder</a:t>
             </a:r>
           </a:p>
           <a:p>
@@ -3804,15 +4941,7 @@
           <a:p>
             <a:r>
               <a:rPr lang="en-US" dirty="0" smtClean="0"/>
-              <a:t>The macros, in total, take about 10 seconds to run and </a:t>
-            </a:r>
-            <a:r>
-              <a:rPr lang="en-US" dirty="0" smtClean="0"/>
-              <a:t>are </a:t>
-            </a:r>
-            <a:r>
-              <a:rPr lang="en-US" dirty="0" smtClean="0"/>
-              <a:t>performed in the background</a:t>
+              <a:t>The macros, in total, take about 10 seconds to run and are performed in the background</a:t>
             </a:r>
             <a:endParaRPr lang="en-US" dirty="0"/>
           </a:p>
@@ -3831,7 +4960,7 @@
 </p:sld>
 </file>
 
-<file path=ppt/slides/slide4.xml><?xml version="1.0" encoding="utf-8"?>
+<file path=ppt/slides/slide5.xml><?xml version="1.0" encoding="utf-8"?>
 <p:sld xmlns:a="http://schemas.openxmlformats.org/drawingml/2006/main" xmlns:r="http://schemas.openxmlformats.org/officeDocument/2006/relationships" xmlns:p="http://schemas.openxmlformats.org/presentationml/2006/main">
   <p:cSld>
     <p:spTree>
@@ -3914,7 +5043,7 @@
 </p:sld>
 </file>
 
-<file path=ppt/slides/slide5.xml><?xml version="1.0" encoding="utf-8"?>
+<file path=ppt/slides/slide6.xml><?xml version="1.0" encoding="utf-8"?>
 <p:sld xmlns:a="http://schemas.openxmlformats.org/drawingml/2006/main" xmlns:r="http://schemas.openxmlformats.org/officeDocument/2006/relationships" xmlns:p="http://schemas.openxmlformats.org/presentationml/2006/main">
   <p:cSld>
     <p:spTree>
@@ -3946,7 +5075,7 @@
         </p:blipFill>
         <p:spPr>
           <a:xfrm>
-            <a:off x="920913" y="379563"/>
+            <a:off x="920912" y="232914"/>
             <a:ext cx="10465954" cy="5416342"/>
           </a:xfrm>
           <a:prstGeom prst="rect">
@@ -3962,7 +5091,7 @@
         </p:nvSpPr>
         <p:spPr>
           <a:xfrm>
-            <a:off x="4626516" y="5978107"/>
+            <a:off x="4626515" y="5857337"/>
             <a:ext cx="3054747" cy="369332"/>
           </a:xfrm>
           <a:prstGeom prst="rect">
@@ -3988,94 +5117,6 @@
     <p:extLst>
       <p:ext uri="{BB962C8B-B14F-4D97-AF65-F5344CB8AC3E}">
         <p14:creationId xmlns:p14="http://schemas.microsoft.com/office/powerpoint/2010/main" val="2780485783"/>
-      </p:ext>
-    </p:extLst>
-  </p:cSld>
-  <p:clrMapOvr>
-    <a:masterClrMapping/>
-  </p:clrMapOvr>
-</p:sld>
-</file>
-
-<file path=ppt/slides/slide6.xml><?xml version="1.0" encoding="utf-8"?>
-<p:sld xmlns:a="http://schemas.openxmlformats.org/drawingml/2006/main" xmlns:r="http://schemas.openxmlformats.org/officeDocument/2006/relationships" xmlns:p="http://schemas.openxmlformats.org/presentationml/2006/main">
-  <p:cSld>
-    <p:spTree>
-      <p:nvGrpSpPr>
-        <p:cNvPr id="1" name=""/>
-        <p:cNvGrpSpPr/>
-        <p:nvPr/>
-      </p:nvGrpSpPr>
-      <p:grpSpPr>
-        <a:xfrm>
-          <a:off x="0" y="0"/>
-          <a:ext cx="0" cy="0"/>
-          <a:chOff x="0" y="0"/>
-          <a:chExt cx="0" cy="0"/>
-        </a:xfrm>
-      </p:grpSpPr>
-      <p:sp>
-        <p:nvSpPr>
-          <p:cNvPr id="2" name="Title 1"/>
-          <p:cNvSpPr>
-            <a:spLocks noGrp="1"/>
-          </p:cNvSpPr>
-          <p:nvPr>
-            <p:ph type="title"/>
-          </p:nvPr>
-        </p:nvSpPr>
-        <p:spPr/>
-        <p:txBody>
-          <a:bodyPr/>
-          <a:lstStyle/>
-          <a:p>
-            <a:r>
-              <a:rPr lang="en-US" dirty="0" smtClean="0"/>
-              <a:t>Miller Inventory/Order</a:t>
-            </a:r>
-            <a:endParaRPr lang="en-US" dirty="0"/>
-          </a:p>
-        </p:txBody>
-      </p:sp>
-      <p:sp>
-        <p:nvSpPr>
-          <p:cNvPr id="3" name="Content Placeholder 2"/>
-          <p:cNvSpPr>
-            <a:spLocks noGrp="1"/>
-          </p:cNvSpPr>
-          <p:nvPr>
-            <p:ph idx="1"/>
-          </p:nvPr>
-        </p:nvSpPr>
-        <p:spPr/>
-        <p:txBody>
-          <a:bodyPr/>
-          <a:lstStyle/>
-          <a:p>
-            <a:r>
-              <a:rPr lang="en-US" dirty="0" smtClean="0"/>
-              <a:t>Was given a script written by Jeremy Vance that turned the daily miller report into a csv file.</a:t>
-            </a:r>
-          </a:p>
-          <a:p>
-            <a:r>
-              <a:rPr lang="en-US" dirty="0" smtClean="0"/>
-              <a:t>I examined the data that the script output and found missing and inaccurate sections of the data</a:t>
-            </a:r>
-          </a:p>
-          <a:p>
-            <a:r>
-              <a:rPr lang="en-US" dirty="0" smtClean="0"/>
-              <a:t>To correct this, I analyzed all of the anomalies in the final csv file, compared them to the original dataset, and found edge cases that the code did not account for</a:t>
-            </a:r>
-            <a:endParaRPr lang="en-US" dirty="0"/>
-          </a:p>
-        </p:txBody>
-      </p:sp>
-    </p:spTree>
-    <p:extLst>
-      <p:ext uri="{BB962C8B-B14F-4D97-AF65-F5344CB8AC3E}">
-        <p14:creationId xmlns:p14="http://schemas.microsoft.com/office/powerpoint/2010/main" val="61141215"/>
       </p:ext>
     </p:extLst>
   </p:cSld>
@@ -4102,6 +5143,74 @@
           <a:chExt cx="0" cy="0"/>
         </a:xfrm>
       </p:grpSpPr>
+      <p:sp>
+        <p:nvSpPr>
+          <p:cNvPr id="2" name="Title 1"/>
+          <p:cNvSpPr>
+            <a:spLocks noGrp="1"/>
+          </p:cNvSpPr>
+          <p:nvPr>
+            <p:ph type="title"/>
+          </p:nvPr>
+        </p:nvSpPr>
+        <p:spPr>
+          <a:xfrm>
+            <a:off x="838200" y="402131"/>
+            <a:ext cx="10515600" cy="1325563"/>
+          </a:xfrm>
+        </p:spPr>
+        <p:txBody>
+          <a:bodyPr/>
+          <a:lstStyle/>
+          <a:p>
+            <a:r>
+              <a:rPr lang="en-US" dirty="0" smtClean="0"/>
+              <a:t>Inventory Tracking</a:t>
+            </a:r>
+            <a:endParaRPr lang="en-US" dirty="0"/>
+          </a:p>
+        </p:txBody>
+      </p:sp>
+      <p:sp>
+        <p:nvSpPr>
+          <p:cNvPr id="3" name="Content Placeholder 2"/>
+          <p:cNvSpPr>
+            <a:spLocks noGrp="1"/>
+          </p:cNvSpPr>
+          <p:nvPr>
+            <p:ph idx="1"/>
+          </p:nvPr>
+        </p:nvSpPr>
+        <p:spPr>
+          <a:xfrm>
+            <a:off x="838200" y="1791119"/>
+            <a:ext cx="10515600" cy="4351338"/>
+          </a:xfrm>
+        </p:spPr>
+        <p:txBody>
+          <a:bodyPr/>
+          <a:lstStyle/>
+          <a:p>
+            <a:r>
+              <a:rPr lang="en-US" dirty="0" smtClean="0"/>
+              <a:t>Excel workbook to track the inventories from each brewery</a:t>
+            </a:r>
+          </a:p>
+          <a:p>
+            <a:r>
+              <a:rPr lang="en-US" dirty="0" smtClean="0"/>
+              <a:t>Data is transformed with the natural log function to make it easier to compare</a:t>
+            </a:r>
+          </a:p>
+          <a:p>
+            <a:r>
+              <a:rPr lang="en-US" dirty="0" smtClean="0"/>
+              <a:t>No defined use at this time, but interesting visual to see popular SKUs and their variability</a:t>
+            </a:r>
+            <a:endParaRPr lang="en-US" dirty="0"/>
+          </a:p>
+        </p:txBody>
+      </p:sp>
       <p:pic>
         <p:nvPicPr>
           <p:cNvPr id="4" name="Picture 3"/>
@@ -4110,55 +5219,26 @@
           </p:cNvPicPr>
           <p:nvPr/>
         </p:nvPicPr>
-        <p:blipFill rotWithShape="1">
+        <p:blipFill>
           <a:blip r:embed="rId2"/>
-          <a:srcRect l="506" t="1142" r="558" b="1247"/>
-          <a:stretch/>
+          <a:stretch>
+            <a:fillRect/>
+          </a:stretch>
         </p:blipFill>
         <p:spPr>
           <a:xfrm>
-            <a:off x="698740" y="336429"/>
-            <a:ext cx="10731260" cy="5175849"/>
+            <a:off x="2825332" y="3071003"/>
+            <a:ext cx="6059874" cy="3215809"/>
           </a:xfrm>
           <a:prstGeom prst="rect">
             <a:avLst/>
           </a:prstGeom>
         </p:spPr>
       </p:pic>
-      <p:sp>
-        <p:nvSpPr>
-          <p:cNvPr id="5" name="TextBox 4"/>
-          <p:cNvSpPr txBox="1"/>
-          <p:nvPr/>
-        </p:nvSpPr>
-        <p:spPr>
-          <a:xfrm>
-            <a:off x="5351290" y="5676181"/>
-            <a:ext cx="1426160" cy="369332"/>
-          </a:xfrm>
-          <a:prstGeom prst="rect">
-            <a:avLst/>
-          </a:prstGeom>
-          <a:noFill/>
-        </p:spPr>
-        <p:txBody>
-          <a:bodyPr wrap="none" rtlCol="0">
-            <a:spAutoFit/>
-          </a:bodyPr>
-          <a:lstStyle/>
-          <a:p>
-            <a:r>
-              <a:rPr lang="en-US" dirty="0" smtClean="0"/>
-              <a:t>Miller Report</a:t>
-            </a:r>
-            <a:endParaRPr lang="en-US" dirty="0"/>
-          </a:p>
-        </p:txBody>
-      </p:sp>
     </p:spTree>
     <p:extLst>
       <p:ext uri="{BB962C8B-B14F-4D97-AF65-F5344CB8AC3E}">
-        <p14:creationId xmlns:p14="http://schemas.microsoft.com/office/powerpoint/2010/main" val="2943155499"/>
+        <p14:creationId xmlns:p14="http://schemas.microsoft.com/office/powerpoint/2010/main" val="1302431171"/>
       </p:ext>
     </p:extLst>
   </p:cSld>
@@ -4185,80 +5265,34 @@
           <a:chExt cx="0" cy="0"/>
         </a:xfrm>
       </p:grpSpPr>
-      <p:sp>
-        <p:nvSpPr>
-          <p:cNvPr id="2" name="Title 1"/>
-          <p:cNvSpPr>
-            <a:spLocks noGrp="1"/>
-          </p:cNvSpPr>
-          <p:nvPr>
-            <p:ph type="title"/>
-          </p:nvPr>
-        </p:nvSpPr>
-        <p:spPr/>
-        <p:txBody>
-          <a:bodyPr/>
-          <a:lstStyle/>
-          <a:p>
-            <a:r>
-              <a:rPr lang="en-US" dirty="0" smtClean="0"/>
-              <a:t>Keg data parse</a:t>
-            </a:r>
-            <a:endParaRPr lang="en-US" dirty="0"/>
-          </a:p>
-        </p:txBody>
-      </p:sp>
-      <p:sp>
-        <p:nvSpPr>
-          <p:cNvPr id="3" name="Content Placeholder 2"/>
-          <p:cNvSpPr>
-            <a:spLocks noGrp="1"/>
-          </p:cNvSpPr>
-          <p:nvPr>
-            <p:ph idx="1"/>
-          </p:nvPr>
-        </p:nvSpPr>
-        <p:spPr/>
-        <p:txBody>
-          <a:bodyPr/>
-          <a:lstStyle/>
-          <a:p>
-            <a:r>
-              <a:rPr lang="en-US" dirty="0" smtClean="0"/>
-              <a:t>Task: Find shipments of kegs by wholesaler of Global Keg separated by size</a:t>
-            </a:r>
-          </a:p>
-          <a:p>
-            <a:r>
-              <a:rPr lang="en-US" dirty="0" smtClean="0"/>
-              <a:t>Parsed dataset of over 50 columns and 35,000 rows</a:t>
-            </a:r>
-          </a:p>
-          <a:p>
-            <a:r>
-              <a:rPr lang="en-US" dirty="0" smtClean="0"/>
-              <a:t>First found each distributor name and ID and placed in a table</a:t>
-            </a:r>
-          </a:p>
-          <a:p>
-            <a:r>
-              <a:rPr lang="en-US" dirty="0" smtClean="0"/>
-              <a:t>Used the Excel SUMIFS function to first check the Distributor ID in the dataset, and then separated ½ and 1/6 kegs into their own columns</a:t>
-            </a:r>
-          </a:p>
-          <a:p>
-            <a:r>
-              <a:rPr lang="en-US" dirty="0" smtClean="0"/>
-              <a:t>Final product is a filterable table by distributor name and id to see the number of kegs by size shipped</a:t>
-            </a:r>
-            <a:endParaRPr lang="en-US" dirty="0"/>
-          </a:p>
-        </p:txBody>
-      </p:sp>
+      <p:pic>
+        <p:nvPicPr>
+          <p:cNvPr id="3" name="Picture 2"/>
+          <p:cNvPicPr>
+            <a:picLocks noChangeAspect="1"/>
+          </p:cNvPicPr>
+          <p:nvPr/>
+        </p:nvPicPr>
+        <p:blipFill>
+          <a:blip r:embed="rId2"/>
+          <a:stretch>
+            <a:fillRect/>
+          </a:stretch>
+        </p:blipFill>
+        <p:spPr>
+          <a:xfrm>
+            <a:off x="1271444" y="301924"/>
+            <a:ext cx="9583462" cy="5667555"/>
+          </a:xfrm>
+          <a:prstGeom prst="rect">
+            <a:avLst/>
+          </a:prstGeom>
+        </p:spPr>
+      </p:pic>
     </p:spTree>
     <p:extLst>
       <p:ext uri="{BB962C8B-B14F-4D97-AF65-F5344CB8AC3E}">
-        <p14:creationId xmlns:p14="http://schemas.microsoft.com/office/powerpoint/2010/main" val="1004252729"/>
+        <p14:creationId xmlns:p14="http://schemas.microsoft.com/office/powerpoint/2010/main" val="3056596234"/>
       </p:ext>
     </p:extLst>
   </p:cSld>
@@ -4285,55 +5319,63 @@
           <a:chExt cx="0" cy="0"/>
         </a:xfrm>
       </p:grpSpPr>
-      <p:pic>
-        <p:nvPicPr>
-          <p:cNvPr id="2" name="Picture 1"/>
-          <p:cNvPicPr>
-            <a:picLocks noChangeAspect="1"/>
-          </p:cNvPicPr>
-          <p:nvPr/>
-        </p:nvPicPr>
-        <p:blipFill>
-          <a:blip r:embed="rId2"/>
-          <a:stretch>
-            <a:fillRect/>
-          </a:stretch>
-        </p:blipFill>
-        <p:spPr>
-          <a:xfrm>
-            <a:off x="2063226" y="514681"/>
-            <a:ext cx="7896225" cy="4848225"/>
-          </a:xfrm>
-          <a:prstGeom prst="rect">
-            <a:avLst/>
-          </a:prstGeom>
-        </p:spPr>
-      </p:pic>
-      <p:sp>
-        <p:nvSpPr>
-          <p:cNvPr id="3" name="TextBox 2"/>
-          <p:cNvSpPr txBox="1"/>
-          <p:nvPr/>
-        </p:nvSpPr>
-        <p:spPr>
-          <a:xfrm>
-            <a:off x="4705918" y="5495027"/>
-            <a:ext cx="2610843" cy="369332"/>
-          </a:xfrm>
-          <a:prstGeom prst="rect">
-            <a:avLst/>
-          </a:prstGeom>
-          <a:noFill/>
-        </p:spPr>
-        <p:txBody>
-          <a:bodyPr wrap="none" rtlCol="0">
-            <a:spAutoFit/>
-          </a:bodyPr>
+      <p:sp>
+        <p:nvSpPr>
+          <p:cNvPr id="2" name="Title 1"/>
+          <p:cNvSpPr>
+            <a:spLocks noGrp="1"/>
+          </p:cNvSpPr>
+          <p:nvPr>
+            <p:ph type="title"/>
+          </p:nvPr>
+        </p:nvSpPr>
+        <p:spPr/>
+        <p:txBody>
+          <a:bodyPr/>
           <a:lstStyle/>
           <a:p>
             <a:r>
               <a:rPr lang="en-US" dirty="0" smtClean="0"/>
-              <a:t>Final table of the keg data</a:t>
+              <a:t>Miller </a:t>
+            </a:r>
+            <a:r>
+              <a:rPr lang="en-US" dirty="0" smtClean="0"/>
+              <a:t>Inventory/Order Report</a:t>
+            </a:r>
+            <a:endParaRPr lang="en-US" dirty="0"/>
+          </a:p>
+        </p:txBody>
+      </p:sp>
+      <p:sp>
+        <p:nvSpPr>
+          <p:cNvPr id="3" name="Content Placeholder 2"/>
+          <p:cNvSpPr>
+            <a:spLocks noGrp="1"/>
+          </p:cNvSpPr>
+          <p:nvPr>
+            <p:ph idx="1"/>
+          </p:nvPr>
+        </p:nvSpPr>
+        <p:spPr/>
+        <p:txBody>
+          <a:bodyPr/>
+          <a:lstStyle/>
+          <a:p>
+            <a:r>
+              <a:rPr lang="en-US" dirty="0" smtClean="0"/>
+              <a:t>Was given a script written by Jeremy Vance that turned the daily miller report into a csv file.</a:t>
+            </a:r>
+          </a:p>
+          <a:p>
+            <a:r>
+              <a:rPr lang="en-US" dirty="0" smtClean="0"/>
+              <a:t>I examined the data that the script output and found missing and inaccurate sections of the data</a:t>
+            </a:r>
+          </a:p>
+          <a:p>
+            <a:r>
+              <a:rPr lang="en-US" dirty="0" smtClean="0"/>
+              <a:t>To correct this, I analyzed all of the anomalies in the final csv file, compared them to the original dataset, and found edge cases that the code did not account for</a:t>
             </a:r>
             <a:endParaRPr lang="en-US" dirty="0"/>
           </a:p>
@@ -4342,7 +5384,7 @@
     </p:spTree>
     <p:extLst>
       <p:ext uri="{BB962C8B-B14F-4D97-AF65-F5344CB8AC3E}">
-        <p14:creationId xmlns:p14="http://schemas.microsoft.com/office/powerpoint/2010/main" val="3571077455"/>
+        <p14:creationId xmlns:p14="http://schemas.microsoft.com/office/powerpoint/2010/main" val="61141215"/>
       </p:ext>
     </p:extLst>
   </p:cSld>
@@ -4353,47 +5395,47 @@
 </file>
 
 <file path=ppt/theme/theme1.xml><?xml version="1.0" encoding="utf-8"?>
-<a:theme xmlns:a="http://schemas.openxmlformats.org/drawingml/2006/main" name="Office Theme">
+<a:theme xmlns:a="http://schemas.openxmlformats.org/drawingml/2006/main" name="Retrospect">
   <a:themeElements>
-    <a:clrScheme name="Office">
+    <a:clrScheme name="Retrospect">
       <a:dk1>
-        <a:sysClr val="windowText" lastClr="000000"/>
+        <a:srgbClr val="000000"/>
       </a:dk1>
       <a:lt1>
         <a:sysClr val="window" lastClr="FFFFFF"/>
       </a:lt1>
       <a:dk2>
-        <a:srgbClr val="44546A"/>
+        <a:srgbClr val="637052"/>
       </a:dk2>
       <a:lt2>
-        <a:srgbClr val="E7E6E6"/>
+        <a:srgbClr val="CCDDEA"/>
       </a:lt2>
       <a:accent1>
-        <a:srgbClr val="5B9BD5"/>
+        <a:srgbClr val="E48312"/>
       </a:accent1>
       <a:accent2>
-        <a:srgbClr val="ED7D31"/>
+        <a:srgbClr val="BD582C"/>
       </a:accent2>
       <a:accent3>
-        <a:srgbClr val="A5A5A5"/>
+        <a:srgbClr val="865640"/>
       </a:accent3>
       <a:accent4>
-        <a:srgbClr val="FFC000"/>
+        <a:srgbClr val="9B8357"/>
       </a:accent4>
       <a:accent5>
-        <a:srgbClr val="4472C4"/>
+        <a:srgbClr val="C2BC80"/>
       </a:accent5>
       <a:accent6>
-        <a:srgbClr val="70AD47"/>
+        <a:srgbClr val="94A088"/>
       </a:accent6>
       <a:hlink>
-        <a:srgbClr val="0563C1"/>
+        <a:srgbClr val="2998E3"/>
       </a:hlink>
       <a:folHlink>
-        <a:srgbClr val="954F72"/>
+        <a:srgbClr val="8C8C8C"/>
       </a:folHlink>
     </a:clrScheme>
-    <a:fontScheme name="Office">
+    <a:fontScheme name="Retrospect">
       <a:majorFont>
         <a:latin typeface="Calibri Light" panose="020F0302020204030204"/>
         <a:ea typeface=""/>
@@ -4465,7 +5507,7 @@
         <a:font script="Geor" typeface="Sylfaen"/>
       </a:minorFont>
     </a:fontScheme>
-    <a:fmtScheme name="Office">
+    <a:fmtScheme name="Retrospect">
       <a:fillStyleLst>
         <a:solidFill>
           <a:schemeClr val="phClr"/>
@@ -4474,76 +5516,81 @@
           <a:gsLst>
             <a:gs pos="0">
               <a:schemeClr val="phClr">
-                <a:lumMod val="110000"/>
-                <a:satMod val="105000"/>
-                <a:tint val="67000"/>
+                <a:tint val="65000"/>
+                <a:shade val="92000"/>
+                <a:satMod val="130000"/>
               </a:schemeClr>
             </a:gs>
-            <a:gs pos="50000">
+            <a:gs pos="45000">
               <a:schemeClr val="phClr">
-                <a:lumMod val="105000"/>
-                <a:satMod val="103000"/>
-                <a:tint val="73000"/>
+                <a:tint val="60000"/>
+                <a:shade val="99000"/>
+                <a:satMod val="120000"/>
               </a:schemeClr>
             </a:gs>
             <a:gs pos="100000">
               <a:schemeClr val="phClr">
-                <a:lumMod val="105000"/>
-                <a:satMod val="109000"/>
-                <a:tint val="81000"/>
+                <a:tint val="55000"/>
+                <a:satMod val="140000"/>
               </a:schemeClr>
             </a:gs>
           </a:gsLst>
-          <a:lin ang="5400000" scaled="0"/>
+          <a:path path="circle">
+            <a:fillToRect l="100000" t="100000" r="100000" b="100000"/>
+          </a:path>
         </a:gradFill>
         <a:gradFill rotWithShape="1">
           <a:gsLst>
             <a:gs pos="0">
               <a:schemeClr val="phClr">
-                <a:satMod val="103000"/>
-                <a:lumMod val="102000"/>
-                <a:tint val="94000"/>
+                <a:shade val="85000"/>
+                <a:satMod val="130000"/>
               </a:schemeClr>
             </a:gs>
-            <a:gs pos="50000">
+            <a:gs pos="34000">
               <a:schemeClr val="phClr">
-                <a:satMod val="110000"/>
-                <a:lumMod val="100000"/>
-                <a:shade val="100000"/>
+                <a:shade val="87000"/>
+                <a:satMod val="125000"/>
+              </a:schemeClr>
+            </a:gs>
+            <a:gs pos="70000">
+              <a:schemeClr val="phClr">
+                <a:tint val="100000"/>
+                <a:shade val="90000"/>
+                <a:satMod val="130000"/>
               </a:schemeClr>
             </a:gs>
             <a:gs pos="100000">
               <a:schemeClr val="phClr">
-                <a:lumMod val="99000"/>
-                <a:satMod val="120000"/>
-                <a:shade val="78000"/>
+                <a:tint val="100000"/>
+                <a:shade val="100000"/>
+                <a:satMod val="110000"/>
               </a:schemeClr>
             </a:gs>
           </a:gsLst>
-          <a:lin ang="5400000" scaled="0"/>
+          <a:path path="circle">
+            <a:fillToRect l="100000" t="100000" r="100000" b="100000"/>
+          </a:path>
         </a:gradFill>
       </a:fillStyleLst>
       <a:lnStyleLst>
-        <a:ln w="6350" cap="flat" cmpd="sng" algn="ctr">
-          <a:solidFill>
-            <a:schemeClr val="phClr"/>
-          </a:solidFill>
-          <a:prstDash val="solid"/>
-          <a:miter lim="800000"/>
-        </a:ln>
         <a:ln w="12700" cap="flat" cmpd="sng" algn="ctr">
           <a:solidFill>
             <a:schemeClr val="phClr"/>
           </a:solidFill>
           <a:prstDash val="solid"/>
-          <a:miter lim="800000"/>
         </a:ln>
-        <a:ln w="19050" cap="flat" cmpd="sng" algn="ctr">
+        <a:ln w="15875" cap="flat" cmpd="sng" algn="ctr">
           <a:solidFill>
             <a:schemeClr val="phClr"/>
           </a:solidFill>
           <a:prstDash val="solid"/>
-          <a:miter lim="800000"/>
+        </a:ln>
+        <a:ln w="25400" cap="flat" cmpd="sng" algn="ctr">
+          <a:solidFill>
+            <a:schemeClr val="phClr"/>
+          </a:solidFill>
+          <a:prstDash val="solid"/>
         </a:ln>
       </a:lnStyleLst>
       <a:effectStyleLst>
@@ -4551,16 +5598,33 @@
           <a:effectLst/>
         </a:effectStyle>
         <a:effectStyle>
-          <a:effectLst/>
+          <a:effectLst>
+            <a:outerShdw blurRad="38100" dist="25400" dir="2700000" algn="br" rotWithShape="0">
+              <a:srgbClr val="000000">
+                <a:alpha val="60000"/>
+              </a:srgbClr>
+            </a:outerShdw>
+          </a:effectLst>
         </a:effectStyle>
         <a:effectStyle>
           <a:effectLst>
-            <a:outerShdw blurRad="57150" dist="19050" dir="5400000" algn="ctr" rotWithShape="0">
+            <a:outerShdw blurRad="44450" dist="25400" dir="2700000" algn="br" rotWithShape="0">
               <a:srgbClr val="000000">
-                <a:alpha val="63000"/>
+                <a:alpha val="60000"/>
               </a:srgbClr>
             </a:outerShdw>
           </a:effectLst>
+          <a:scene3d>
+            <a:camera prst="orthographicFront">
+              <a:rot lat="0" lon="0" rev="0"/>
+            </a:camera>
+            <a:lightRig rig="threePt" dir="t">
+              <a:rot lat="0" lon="0" rev="19800000"/>
+            </a:lightRig>
+          </a:scene3d>
+          <a:sp3d prstMaterial="flat">
+            <a:bevelT w="25400" h="31750"/>
+          </a:sp3d>
         </a:effectStyle>
       </a:effectStyleLst>
       <a:bgFillStyleLst>
@@ -4569,36 +5633,36 @@
         </a:solidFill>
         <a:solidFill>
           <a:schemeClr val="phClr">
-            <a:tint val="95000"/>
-            <a:satMod val="170000"/>
+            <a:tint val="90000"/>
+            <a:shade val="97000"/>
+            <a:satMod val="130000"/>
           </a:schemeClr>
         </a:solidFill>
         <a:gradFill rotWithShape="1">
           <a:gsLst>
             <a:gs pos="0">
               <a:schemeClr val="phClr">
-                <a:tint val="93000"/>
-                <a:satMod val="150000"/>
-                <a:shade val="98000"/>
-                <a:lumMod val="102000"/>
+                <a:tint val="96000"/>
+                <a:shade val="99000"/>
+                <a:satMod val="140000"/>
               </a:schemeClr>
             </a:gs>
-            <a:gs pos="50000">
+            <a:gs pos="65000">
               <a:schemeClr val="phClr">
-                <a:tint val="98000"/>
+                <a:tint val="100000"/>
+                <a:shade val="80000"/>
                 <a:satMod val="130000"/>
-                <a:shade val="90000"/>
-                <a:lumMod val="103000"/>
               </a:schemeClr>
             </a:gs>
             <a:gs pos="100000">
               <a:schemeClr val="phClr">
-                <a:shade val="63000"/>
+                <a:tint val="100000"/>
+                <a:shade val="48000"/>
                 <a:satMod val="120000"/>
               </a:schemeClr>
             </a:gs>
           </a:gsLst>
-          <a:lin ang="5400000" scaled="0"/>
+          <a:lin ang="16200000" scaled="0"/>
         </a:gradFill>
       </a:bgFillStyleLst>
     </a:fmtScheme>
@@ -4607,7 +5671,7 @@
   <a:extraClrSchemeLst/>
   <a:extLst>
     <a:ext uri="{05A4C25C-085E-4340-85A3-A5531E510DB2}">
-      <thm15:themeFamily xmlns:thm15="http://schemas.microsoft.com/office/thememl/2012/main" name="Office Theme" id="{62F939B6-93AF-4DB8-9C6B-D6C7DFDC589F}" vid="{4A3C46E8-61CC-4603-A589-7422A47A8E4A}"/>
+      <thm15:themeFamily xmlns:thm15="http://schemas.microsoft.com/office/thememl/2012/main" name="Retrospect" id="{5F128B03-DCCA-4EEB-AB3B-CF2899314A46}" vid="{3F1AAB62-24C6-49D2-8E01-B56FAC9A3DCD}"/>
     </a:ext>
   </a:extLst>
 </a:theme>
